--- a/Dokumentáciok/ISABIKE.pptx
+++ b/Dokumentáciok/ISABIKE.pptx
@@ -29,8 +29,12 @@
     <p:sldId id="277" r:id="rId23"/>
     <p:sldId id="278" r:id="rId24"/>
     <p:sldId id="279" r:id="rId25"/>
-    <p:sldId id="280" r:id="rId26"/>
-    <p:sldId id="281" r:id="rId27"/>
+    <p:sldId id="282" r:id="rId26"/>
+    <p:sldId id="280" r:id="rId27"/>
+    <p:sldId id="283" r:id="rId28"/>
+    <p:sldId id="284" r:id="rId29"/>
+    <p:sldId id="281" r:id="rId30"/>
+    <p:sldId id="285" r:id="rId31"/>
   </p:sldIdLst>
   <p:sldSz cx="12192000" cy="6858000"/>
   <p:notesSz cx="6858000" cy="9144000"/>
@@ -5203,35 +5207,97 @@
           <a:lstStyle/>
           <a:p>
             <a:r>
-              <a:rPr lang="hu-HU"/>
+              <a:rPr lang="hu-HU" dirty="0"/>
               <a:t>Bejelentkezési felület</a:t>
             </a:r>
-            <a:endParaRPr lang="hu-HU" dirty="0"/>
-          </a:p>
-        </p:txBody>
-      </p:sp>
-      <p:sp>
-        <p:nvSpPr>
-          <p:cNvPr id="3" name="Tartalom helye 2">
-            <a:extLst>
-              <a:ext uri="{FF2B5EF4-FFF2-40B4-BE49-F238E27FC236}">
-                <a16:creationId xmlns:a16="http://schemas.microsoft.com/office/drawing/2014/main" id="{4B0FB415-6D74-5F27-4B1E-BD0E71F2E838}"/>
-              </a:ext>
-            </a:extLst>
-          </p:cNvPr>
-          <p:cNvSpPr>
-            <a:spLocks noGrp="1"/>
-          </p:cNvSpPr>
+          </a:p>
+        </p:txBody>
+      </p:sp>
+      <p:pic>
+        <p:nvPicPr>
+          <p:cNvPr id="5" name="Tartalom helye 4" descr="A képen szöveg, képernyőkép, képernyő, szoftver látható&#10;&#10;Automatikusan generált leírás">
+            <a:extLst>
+              <a:ext uri="{FF2B5EF4-FFF2-40B4-BE49-F238E27FC236}">
+                <a16:creationId xmlns:a16="http://schemas.microsoft.com/office/drawing/2014/main" id="{48FE985E-E081-BD0B-F461-09659BDD05EC}"/>
+              </a:ext>
+            </a:extLst>
+          </p:cNvPr>
+          <p:cNvPicPr>
+            <a:picLocks noGrp="1" noChangeAspect="1"/>
+          </p:cNvPicPr>
           <p:nvPr>
             <p:ph idx="1"/>
           </p:nvPr>
-        </p:nvSpPr>
-        <p:spPr/>
-        <p:txBody>
-          <a:bodyPr/>
-          <a:lstStyle/>
-          <a:p>
-            <a:endParaRPr lang="hu-HU"/>
+        </p:nvPicPr>
+        <p:blipFill>
+          <a:blip r:embed="rId2">
+            <a:extLst>
+              <a:ext uri="{28A0092B-C50C-407E-A947-70E740481C1C}">
+                <a14:useLocalDpi xmlns:a14="http://schemas.microsoft.com/office/drawing/2010/main" val="0"/>
+              </a:ext>
+            </a:extLst>
+          </a:blip>
+          <a:stretch>
+            <a:fillRect/>
+          </a:stretch>
+        </p:blipFill>
+        <p:spPr>
+          <a:xfrm>
+            <a:off x="838200" y="1982668"/>
+            <a:ext cx="6977207" cy="3148252"/>
+          </a:xfrm>
+        </p:spPr>
+      </p:pic>
+      <p:sp>
+        <p:nvSpPr>
+          <p:cNvPr id="7" name="Szövegdoboz 6">
+            <a:extLst>
+              <a:ext uri="{FF2B5EF4-FFF2-40B4-BE49-F238E27FC236}">
+                <a16:creationId xmlns:a16="http://schemas.microsoft.com/office/drawing/2014/main" id="{F40F782B-028F-6158-FBC5-FBC34C8ED281}"/>
+              </a:ext>
+            </a:extLst>
+          </p:cNvPr>
+          <p:cNvSpPr txBox="1"/>
+          <p:nvPr/>
+        </p:nvSpPr>
+        <p:spPr>
+          <a:xfrm>
+            <a:off x="8294255" y="1982667"/>
+            <a:ext cx="3297381" cy="923330"/>
+          </a:xfrm>
+          <a:prstGeom prst="rect">
+            <a:avLst/>
+          </a:prstGeom>
+          <a:noFill/>
+        </p:spPr>
+        <p:txBody>
+          <a:bodyPr wrap="square" rtlCol="0">
+            <a:spAutoFit/>
+          </a:bodyPr>
+          <a:lstStyle/>
+          <a:p>
+            <a:pPr marL="285750" indent="-285750">
+              <a:buFont typeface="Arial" panose="020B0604020202020204" pitchFamily="34" charset="0"/>
+              <a:buChar char="•"/>
+            </a:pPr>
+            <a:r>
+              <a:rPr lang="hu-HU" dirty="0"/>
+              <a:t>Email + jelszó belépés</a:t>
+            </a:r>
+          </a:p>
+          <a:p>
+            <a:pPr marL="285750" indent="-285750">
+              <a:buFont typeface="Arial" panose="020B0604020202020204" pitchFamily="34" charset="0"/>
+              <a:buChar char="•"/>
+            </a:pPr>
+            <a:r>
+              <a:rPr lang="hu-HU" dirty="0" err="1"/>
+              <a:t>Close</a:t>
+            </a:r>
+            <a:r>
+              <a:rPr lang="hu-HU" dirty="0"/>
+              <a:t> gomb bezárja az alkalmazást</a:t>
+            </a:r>
           </a:p>
         </p:txBody>
       </p:sp>
@@ -5296,39 +5362,51 @@
           <a:bodyPr/>
           <a:lstStyle/>
           <a:p>
-            <a:endParaRPr lang="hu-HU"/>
-          </a:p>
-        </p:txBody>
-      </p:sp>
-      <p:sp>
-        <p:nvSpPr>
-          <p:cNvPr id="3" name="Tartalom helye 2">
-            <a:extLst>
-              <a:ext uri="{FF2B5EF4-FFF2-40B4-BE49-F238E27FC236}">
-                <a16:creationId xmlns:a16="http://schemas.microsoft.com/office/drawing/2014/main" id="{4B0FB415-6D74-5F27-4B1E-BD0E71F2E838}"/>
-              </a:ext>
-            </a:extLst>
-          </p:cNvPr>
-          <p:cNvSpPr>
-            <a:spLocks noGrp="1"/>
-          </p:cNvSpPr>
+            <a:r>
+              <a:rPr lang="hu-HU" dirty="0"/>
+              <a:t>Login </a:t>
+            </a:r>
+            <a:r>
+              <a:rPr lang="hu-HU" dirty="0" err="1"/>
+              <a:t>method</a:t>
+            </a:r>
+            <a:endParaRPr lang="hu-HU" dirty="0"/>
+          </a:p>
+        </p:txBody>
+      </p:sp>
+      <p:pic>
+        <p:nvPicPr>
+          <p:cNvPr id="8" name="Tartalom helye 7">
+            <a:extLst>
+              <a:ext uri="{FF2B5EF4-FFF2-40B4-BE49-F238E27FC236}">
+                <a16:creationId xmlns:a16="http://schemas.microsoft.com/office/drawing/2014/main" id="{45312237-42EA-9FD7-6E6C-4ADE2B8FD4CF}"/>
+              </a:ext>
+            </a:extLst>
+          </p:cNvPr>
+          <p:cNvPicPr>
+            <a:picLocks noGrp="1" noChangeAspect="1"/>
+          </p:cNvPicPr>
           <p:nvPr>
             <p:ph idx="1"/>
           </p:nvPr>
-        </p:nvSpPr>
-        <p:spPr/>
-        <p:txBody>
-          <a:bodyPr/>
-          <a:lstStyle/>
-          <a:p>
-            <a:endParaRPr lang="hu-HU"/>
-          </a:p>
-        </p:txBody>
-      </p:sp>
+        </p:nvPicPr>
+        <p:blipFill>
+          <a:blip r:embed="rId2"/>
+          <a:stretch>
+            <a:fillRect/>
+          </a:stretch>
+        </p:blipFill>
+        <p:spPr>
+          <a:xfrm>
+            <a:off x="3061864" y="1690688"/>
+            <a:ext cx="6068272" cy="4048690"/>
+          </a:xfrm>
+        </p:spPr>
+      </p:pic>
     </p:spTree>
     <p:extLst>
       <p:ext uri="{BB962C8B-B14F-4D97-AF65-F5344CB8AC3E}">
-        <p14:creationId xmlns:p14="http://schemas.microsoft.com/office/powerpoint/2010/main" val="1557704702"/>
+        <p14:creationId xmlns:p14="http://schemas.microsoft.com/office/powerpoint/2010/main" val="3276416785"/>
       </p:ext>
     </p:extLst>
   </p:cSld>
@@ -5386,32 +5464,482 @@
           <a:bodyPr/>
           <a:lstStyle/>
           <a:p>
-            <a:endParaRPr lang="hu-HU"/>
-          </a:p>
-        </p:txBody>
-      </p:sp>
-      <p:sp>
-        <p:nvSpPr>
-          <p:cNvPr id="3" name="Tartalom helye 2">
-            <a:extLst>
-              <a:ext uri="{FF2B5EF4-FFF2-40B4-BE49-F238E27FC236}">
-                <a16:creationId xmlns:a16="http://schemas.microsoft.com/office/drawing/2014/main" id="{4B0FB415-6D74-5F27-4B1E-BD0E71F2E838}"/>
-              </a:ext>
-            </a:extLst>
-          </p:cNvPr>
-          <p:cNvSpPr>
-            <a:spLocks noGrp="1"/>
-          </p:cNvSpPr>
+            <a:r>
+              <a:rPr lang="hu-HU" dirty="0"/>
+              <a:t>Főablak</a:t>
+            </a:r>
+          </a:p>
+        </p:txBody>
+      </p:sp>
+      <p:pic>
+        <p:nvPicPr>
+          <p:cNvPr id="5" name="Tartalom helye 4" descr="A képen képernyőkép, szöveg, szoftver, Számítógépes ikon látható&#10;&#10;Automatikusan generált leírás">
+            <a:extLst>
+              <a:ext uri="{FF2B5EF4-FFF2-40B4-BE49-F238E27FC236}">
+                <a16:creationId xmlns:a16="http://schemas.microsoft.com/office/drawing/2014/main" id="{C71801B1-CF4A-B6AB-122F-0FEC5DDCF9A4}"/>
+              </a:ext>
+            </a:extLst>
+          </p:cNvPr>
+          <p:cNvPicPr>
+            <a:picLocks noGrp="1" noChangeAspect="1"/>
+          </p:cNvPicPr>
           <p:nvPr>
             <p:ph idx="1"/>
           </p:nvPr>
+        </p:nvPicPr>
+        <p:blipFill>
+          <a:blip r:embed="rId2">
+            <a:extLst>
+              <a:ext uri="{28A0092B-C50C-407E-A947-70E740481C1C}">
+                <a14:useLocalDpi xmlns:a14="http://schemas.microsoft.com/office/drawing/2010/main" val="0"/>
+              </a:ext>
+            </a:extLst>
+          </a:blip>
+          <a:stretch>
+            <a:fillRect/>
+          </a:stretch>
+        </p:blipFill>
+        <p:spPr>
+          <a:xfrm>
+            <a:off x="838200" y="1690688"/>
+            <a:ext cx="7240193" cy="4351338"/>
+          </a:xfrm>
+        </p:spPr>
+      </p:pic>
+      <p:sp>
+        <p:nvSpPr>
+          <p:cNvPr id="6" name="Szövegdoboz 5">
+            <a:extLst>
+              <a:ext uri="{FF2B5EF4-FFF2-40B4-BE49-F238E27FC236}">
+                <a16:creationId xmlns:a16="http://schemas.microsoft.com/office/drawing/2014/main" id="{A03E45FD-B478-7C29-61F0-9B5D7A350FE0}"/>
+              </a:ext>
+            </a:extLst>
+          </p:cNvPr>
+          <p:cNvSpPr txBox="1"/>
+          <p:nvPr/>
+        </p:nvSpPr>
+        <p:spPr>
+          <a:xfrm>
+            <a:off x="8391794" y="1691121"/>
+            <a:ext cx="3066473" cy="2031325"/>
+          </a:xfrm>
+          <a:prstGeom prst="rect">
+            <a:avLst/>
+          </a:prstGeom>
+          <a:noFill/>
+        </p:spPr>
+        <p:txBody>
+          <a:bodyPr wrap="square" rtlCol="0">
+            <a:spAutoFit/>
+          </a:bodyPr>
+          <a:lstStyle/>
+          <a:p>
+            <a:pPr marL="285750" indent="-285750">
+              <a:buFont typeface="Arial" panose="020B0604020202020204" pitchFamily="34" charset="0"/>
+              <a:buChar char="•"/>
+            </a:pPr>
+            <a:r>
+              <a:rPr lang="hu-HU" dirty="0"/>
+              <a:t>Termékek megjelenítése középen</a:t>
+            </a:r>
+          </a:p>
+          <a:p>
+            <a:pPr marL="285750" indent="-285750">
+              <a:buFont typeface="Arial" panose="020B0604020202020204" pitchFamily="34" charset="0"/>
+              <a:buChar char="•"/>
+            </a:pPr>
+            <a:r>
+              <a:rPr lang="hu-HU" dirty="0"/>
+              <a:t>Termékek szűrése</a:t>
+            </a:r>
+          </a:p>
+          <a:p>
+            <a:pPr marL="285750" indent="-285750">
+              <a:buFont typeface="Arial" panose="020B0604020202020204" pitchFamily="34" charset="0"/>
+              <a:buChar char="•"/>
+            </a:pPr>
+            <a:r>
+              <a:rPr lang="hu-HU" dirty="0"/>
+              <a:t>Termékek -&gt; Vélemények cserélhetők</a:t>
+            </a:r>
+          </a:p>
+          <a:p>
+            <a:pPr marL="285750" indent="-285750">
+              <a:buFont typeface="Arial" panose="020B0604020202020204" pitchFamily="34" charset="0"/>
+              <a:buChar char="•"/>
+            </a:pPr>
+            <a:r>
+              <a:rPr lang="hu-HU" dirty="0"/>
+              <a:t>Tervezett funkció:  Eladási statisztikák</a:t>
+            </a:r>
+          </a:p>
+        </p:txBody>
+      </p:sp>
+    </p:spTree>
+    <p:extLst>
+      <p:ext uri="{BB962C8B-B14F-4D97-AF65-F5344CB8AC3E}">
+        <p14:creationId xmlns:p14="http://schemas.microsoft.com/office/powerpoint/2010/main" val="1557704702"/>
+      </p:ext>
+    </p:extLst>
+  </p:cSld>
+  <p:clrMapOvr>
+    <a:masterClrMapping/>
+  </p:clrMapOvr>
+</p:sld>
+</file>
+
+<file path=ppt/slides/slide27.xml><?xml version="1.0" encoding="utf-8"?>
+<p:sld xmlns:a="http://schemas.openxmlformats.org/drawingml/2006/main" xmlns:r="http://schemas.openxmlformats.org/officeDocument/2006/relationships" xmlns:p="http://schemas.openxmlformats.org/presentationml/2006/main">
+  <p:cSld>
+    <p:bg>
+      <p:bgPr>
+        <a:solidFill>
+          <a:schemeClr val="bg1">
+            <a:lumMod val="85000"/>
+          </a:schemeClr>
+        </a:solidFill>
+        <a:effectLst/>
+      </p:bgPr>
+    </p:bg>
+    <p:spTree>
+      <p:nvGrpSpPr>
+        <p:cNvPr id="1" name=""/>
+        <p:cNvGrpSpPr/>
+        <p:nvPr/>
+      </p:nvGrpSpPr>
+      <p:grpSpPr>
+        <a:xfrm>
+          <a:off x="0" y="0"/>
+          <a:ext cx="0" cy="0"/>
+          <a:chOff x="0" y="0"/>
+          <a:chExt cx="0" cy="0"/>
+        </a:xfrm>
+      </p:grpSpPr>
+      <p:sp>
+        <p:nvSpPr>
+          <p:cNvPr id="2" name="Cím 1">
+            <a:extLst>
+              <a:ext uri="{FF2B5EF4-FFF2-40B4-BE49-F238E27FC236}">
+                <a16:creationId xmlns:a16="http://schemas.microsoft.com/office/drawing/2014/main" id="{13615276-B683-0FEF-4C21-319328B94E33}"/>
+              </a:ext>
+            </a:extLst>
+          </p:cNvPr>
+          <p:cNvSpPr>
+            <a:spLocks noGrp="1"/>
+          </p:cNvSpPr>
+          <p:nvPr>
+            <p:ph type="title"/>
+          </p:nvPr>
         </p:nvSpPr>
         <p:spPr/>
         <p:txBody>
           <a:bodyPr/>
           <a:lstStyle/>
           <a:p>
-            <a:endParaRPr lang="hu-HU"/>
+            <a:r>
+              <a:rPr lang="hu-HU" dirty="0"/>
+              <a:t>Adattábla feltöltése</a:t>
+            </a:r>
+          </a:p>
+        </p:txBody>
+      </p:sp>
+      <p:pic>
+        <p:nvPicPr>
+          <p:cNvPr id="8" name="Tartalom helye 7">
+            <a:extLst>
+              <a:ext uri="{FF2B5EF4-FFF2-40B4-BE49-F238E27FC236}">
+                <a16:creationId xmlns:a16="http://schemas.microsoft.com/office/drawing/2014/main" id="{4B7DB40D-828C-A78E-1B8F-8DC44E84B387}"/>
+              </a:ext>
+            </a:extLst>
+          </p:cNvPr>
+          <p:cNvPicPr>
+            <a:picLocks noGrp="1" noChangeAspect="1"/>
+          </p:cNvPicPr>
+          <p:nvPr>
+            <p:ph idx="1"/>
+          </p:nvPr>
+        </p:nvPicPr>
+        <p:blipFill>
+          <a:blip r:embed="rId2"/>
+          <a:stretch>
+            <a:fillRect/>
+          </a:stretch>
+        </p:blipFill>
+        <p:spPr>
+          <a:xfrm>
+            <a:off x="2685875" y="1690688"/>
+            <a:ext cx="6820249" cy="4351338"/>
+          </a:xfrm>
+        </p:spPr>
+      </p:pic>
+    </p:spTree>
+    <p:extLst>
+      <p:ext uri="{BB962C8B-B14F-4D97-AF65-F5344CB8AC3E}">
+        <p14:creationId xmlns:p14="http://schemas.microsoft.com/office/powerpoint/2010/main" val="2034409792"/>
+      </p:ext>
+    </p:extLst>
+  </p:cSld>
+  <p:clrMapOvr>
+    <a:masterClrMapping/>
+  </p:clrMapOvr>
+</p:sld>
+</file>
+
+<file path=ppt/slides/slide28.xml><?xml version="1.0" encoding="utf-8"?>
+<p:sld xmlns:a="http://schemas.openxmlformats.org/drawingml/2006/main" xmlns:r="http://schemas.openxmlformats.org/officeDocument/2006/relationships" xmlns:p="http://schemas.openxmlformats.org/presentationml/2006/main">
+  <p:cSld>
+    <p:bg>
+      <p:bgPr>
+        <a:solidFill>
+          <a:schemeClr val="bg1">
+            <a:lumMod val="85000"/>
+          </a:schemeClr>
+        </a:solidFill>
+        <a:effectLst/>
+      </p:bgPr>
+    </p:bg>
+    <p:spTree>
+      <p:nvGrpSpPr>
+        <p:cNvPr id="1" name=""/>
+        <p:cNvGrpSpPr/>
+        <p:nvPr/>
+      </p:nvGrpSpPr>
+      <p:grpSpPr>
+        <a:xfrm>
+          <a:off x="0" y="0"/>
+          <a:ext cx="0" cy="0"/>
+          <a:chOff x="0" y="0"/>
+          <a:chExt cx="0" cy="0"/>
+        </a:xfrm>
+      </p:grpSpPr>
+      <p:sp>
+        <p:nvSpPr>
+          <p:cNvPr id="2" name="Cím 1">
+            <a:extLst>
+              <a:ext uri="{FF2B5EF4-FFF2-40B4-BE49-F238E27FC236}">
+                <a16:creationId xmlns:a16="http://schemas.microsoft.com/office/drawing/2014/main" id="{13615276-B683-0FEF-4C21-319328B94E33}"/>
+              </a:ext>
+            </a:extLst>
+          </p:cNvPr>
+          <p:cNvSpPr>
+            <a:spLocks noGrp="1"/>
+          </p:cNvSpPr>
+          <p:nvPr>
+            <p:ph type="title"/>
+          </p:nvPr>
+        </p:nvSpPr>
+        <p:spPr/>
+        <p:txBody>
+          <a:bodyPr/>
+          <a:lstStyle/>
+          <a:p>
+            <a:r>
+              <a:rPr lang="hu-HU" dirty="0"/>
+              <a:t>Vélemények megjelenítése</a:t>
+            </a:r>
+          </a:p>
+        </p:txBody>
+      </p:sp>
+      <p:pic>
+        <p:nvPicPr>
+          <p:cNvPr id="6" name="Tartalom helye 5">
+            <a:extLst>
+              <a:ext uri="{FF2B5EF4-FFF2-40B4-BE49-F238E27FC236}">
+                <a16:creationId xmlns:a16="http://schemas.microsoft.com/office/drawing/2014/main" id="{9107988D-1B39-8A33-5504-5B715E38FF76}"/>
+              </a:ext>
+            </a:extLst>
+          </p:cNvPr>
+          <p:cNvPicPr>
+            <a:picLocks noGrp="1" noChangeAspect="1"/>
+          </p:cNvPicPr>
+          <p:nvPr>
+            <p:ph idx="1"/>
+          </p:nvPr>
+        </p:nvPicPr>
+        <p:blipFill>
+          <a:blip r:embed="rId2"/>
+          <a:stretch>
+            <a:fillRect/>
+          </a:stretch>
+        </p:blipFill>
+        <p:spPr>
+          <a:xfrm>
+            <a:off x="2977273" y="1690688"/>
+            <a:ext cx="6237453" cy="3868291"/>
+          </a:xfrm>
+        </p:spPr>
+      </p:pic>
+    </p:spTree>
+    <p:extLst>
+      <p:ext uri="{BB962C8B-B14F-4D97-AF65-F5344CB8AC3E}">
+        <p14:creationId xmlns:p14="http://schemas.microsoft.com/office/powerpoint/2010/main" val="2634208023"/>
+      </p:ext>
+    </p:extLst>
+  </p:cSld>
+  <p:clrMapOvr>
+    <a:masterClrMapping/>
+  </p:clrMapOvr>
+</p:sld>
+</file>
+
+<file path=ppt/slides/slide29.xml><?xml version="1.0" encoding="utf-8"?>
+<p:sld xmlns:a="http://schemas.openxmlformats.org/drawingml/2006/main" xmlns:r="http://schemas.openxmlformats.org/officeDocument/2006/relationships" xmlns:p="http://schemas.openxmlformats.org/presentationml/2006/main">
+  <p:cSld>
+    <p:bg>
+      <p:bgPr>
+        <a:solidFill>
+          <a:schemeClr val="bg1">
+            <a:lumMod val="85000"/>
+          </a:schemeClr>
+        </a:solidFill>
+        <a:effectLst/>
+      </p:bgPr>
+    </p:bg>
+    <p:spTree>
+      <p:nvGrpSpPr>
+        <p:cNvPr id="1" name=""/>
+        <p:cNvGrpSpPr/>
+        <p:nvPr/>
+      </p:nvGrpSpPr>
+      <p:grpSpPr>
+        <a:xfrm>
+          <a:off x="0" y="0"/>
+          <a:ext cx="0" cy="0"/>
+          <a:chOff x="0" y="0"/>
+          <a:chExt cx="0" cy="0"/>
+        </a:xfrm>
+      </p:grpSpPr>
+      <p:sp>
+        <p:nvSpPr>
+          <p:cNvPr id="2" name="Cím 1">
+            <a:extLst>
+              <a:ext uri="{FF2B5EF4-FFF2-40B4-BE49-F238E27FC236}">
+                <a16:creationId xmlns:a16="http://schemas.microsoft.com/office/drawing/2014/main" id="{13615276-B683-0FEF-4C21-319328B94E33}"/>
+              </a:ext>
+            </a:extLst>
+          </p:cNvPr>
+          <p:cNvSpPr>
+            <a:spLocks noGrp="1"/>
+          </p:cNvSpPr>
+          <p:nvPr>
+            <p:ph type="title"/>
+          </p:nvPr>
+        </p:nvSpPr>
+        <p:spPr>
+          <a:xfrm>
+            <a:off x="755073" y="7715"/>
+            <a:ext cx="10515600" cy="1325563"/>
+          </a:xfrm>
+        </p:spPr>
+        <p:txBody>
+          <a:bodyPr/>
+          <a:lstStyle/>
+          <a:p>
+            <a:r>
+              <a:rPr lang="hu-HU" dirty="0"/>
+              <a:t>Termékek módosítása</a:t>
+            </a:r>
+          </a:p>
+        </p:txBody>
+      </p:sp>
+      <p:pic>
+        <p:nvPicPr>
+          <p:cNvPr id="5" name="Tartalom helye 4" descr="A képen szöveg, elektronika, képernyőkép, képernyő látható&#10;&#10;Automatikusan generált leírás">
+            <a:extLst>
+              <a:ext uri="{FF2B5EF4-FFF2-40B4-BE49-F238E27FC236}">
+                <a16:creationId xmlns:a16="http://schemas.microsoft.com/office/drawing/2014/main" id="{FDA76DD4-7847-6E80-2DA8-E1A61762431F}"/>
+              </a:ext>
+            </a:extLst>
+          </p:cNvPr>
+          <p:cNvPicPr>
+            <a:picLocks noGrp="1" noChangeAspect="1"/>
+          </p:cNvPicPr>
+          <p:nvPr>
+            <p:ph idx="1"/>
+          </p:nvPr>
+        </p:nvPicPr>
+        <p:blipFill>
+          <a:blip r:embed="rId2">
+            <a:extLst>
+              <a:ext uri="{28A0092B-C50C-407E-A947-70E740481C1C}">
+                <a14:useLocalDpi xmlns:a14="http://schemas.microsoft.com/office/drawing/2010/main" val="0"/>
+              </a:ext>
+            </a:extLst>
+          </a:blip>
+          <a:stretch>
+            <a:fillRect/>
+          </a:stretch>
+        </p:blipFill>
+        <p:spPr>
+          <a:xfrm>
+            <a:off x="838200" y="1333278"/>
+            <a:ext cx="3373582" cy="5159597"/>
+          </a:xfrm>
+        </p:spPr>
+      </p:pic>
+      <p:sp>
+        <p:nvSpPr>
+          <p:cNvPr id="6" name="Szövegdoboz 5">
+            <a:extLst>
+              <a:ext uri="{FF2B5EF4-FFF2-40B4-BE49-F238E27FC236}">
+                <a16:creationId xmlns:a16="http://schemas.microsoft.com/office/drawing/2014/main" id="{879D2AB7-23E3-8FC7-CAE9-AEC23D35694A}"/>
+              </a:ext>
+            </a:extLst>
+          </p:cNvPr>
+          <p:cNvSpPr txBox="1"/>
+          <p:nvPr/>
+        </p:nvSpPr>
+        <p:spPr>
+          <a:xfrm>
+            <a:off x="4719777" y="1333278"/>
+            <a:ext cx="6014532" cy="1200329"/>
+          </a:xfrm>
+          <a:prstGeom prst="rect">
+            <a:avLst/>
+          </a:prstGeom>
+          <a:noFill/>
+        </p:spPr>
+        <p:txBody>
+          <a:bodyPr wrap="none" rtlCol="0">
+            <a:spAutoFit/>
+          </a:bodyPr>
+          <a:lstStyle/>
+          <a:p>
+            <a:pPr marL="285750" indent="-285750">
+              <a:buFont typeface="Arial" panose="020B0604020202020204" pitchFamily="34" charset="0"/>
+              <a:buChar char="•"/>
+            </a:pPr>
+            <a:r>
+              <a:rPr lang="hu-HU" dirty="0"/>
+              <a:t>Felső panelen lehet váltani műveletek között</a:t>
+            </a:r>
+          </a:p>
+          <a:p>
+            <a:pPr marL="285750" indent="-285750">
+              <a:buFont typeface="Arial" panose="020B0604020202020204" pitchFamily="34" charset="0"/>
+              <a:buChar char="•"/>
+            </a:pPr>
+            <a:r>
+              <a:rPr lang="hu-HU" dirty="0"/>
+              <a:t>Lehetséges műveletek: Hozzáadás, Módosítás, Törlés</a:t>
+            </a:r>
+          </a:p>
+          <a:p>
+            <a:pPr marL="285750" indent="-285750">
+              <a:buFont typeface="Arial" panose="020B0604020202020204" pitchFamily="34" charset="0"/>
+              <a:buChar char="•"/>
+            </a:pPr>
+            <a:r>
+              <a:rPr lang="hu-HU" dirty="0"/>
+              <a:t>Ha az előző ablakon volt kiválasztott termék automatikusan</a:t>
+            </a:r>
+            <a:br>
+              <a:rPr lang="hu-HU" dirty="0"/>
+            </a:br>
+            <a:r>
+              <a:rPr lang="hu-HU" dirty="0"/>
+              <a:t>kitölti a mezőket</a:t>
+            </a:r>
           </a:p>
         </p:txBody>
       </p:sp>
@@ -5798,6 +6326,81 @@
     <p:extLst>
       <p:ext uri="{BB962C8B-B14F-4D97-AF65-F5344CB8AC3E}">
         <p14:creationId xmlns:p14="http://schemas.microsoft.com/office/powerpoint/2010/main" val="2709305202"/>
+      </p:ext>
+    </p:extLst>
+  </p:cSld>
+  <p:clrMapOvr>
+    <a:masterClrMapping/>
+  </p:clrMapOvr>
+</p:sld>
+</file>
+
+<file path=ppt/slides/slide30.xml><?xml version="1.0" encoding="utf-8"?>
+<p:sld xmlns:a="http://schemas.openxmlformats.org/drawingml/2006/main" xmlns:r="http://schemas.openxmlformats.org/officeDocument/2006/relationships" xmlns:p="http://schemas.openxmlformats.org/presentationml/2006/main">
+  <p:cSld>
+    <p:bg>
+      <p:bgPr>
+        <a:solidFill>
+          <a:schemeClr val="bg1">
+            <a:lumMod val="85000"/>
+          </a:schemeClr>
+        </a:solidFill>
+        <a:effectLst/>
+      </p:bgPr>
+    </p:bg>
+    <p:spTree>
+      <p:nvGrpSpPr>
+        <p:cNvPr id="1" name=""/>
+        <p:cNvGrpSpPr/>
+        <p:nvPr/>
+      </p:nvGrpSpPr>
+      <p:grpSpPr>
+        <a:xfrm>
+          <a:off x="0" y="0"/>
+          <a:ext cx="0" cy="0"/>
+          <a:chOff x="0" y="0"/>
+          <a:chExt cx="0" cy="0"/>
+        </a:xfrm>
+      </p:grpSpPr>
+      <p:sp>
+        <p:nvSpPr>
+          <p:cNvPr id="2" name="Cím 1">
+            <a:extLst>
+              <a:ext uri="{FF2B5EF4-FFF2-40B4-BE49-F238E27FC236}">
+                <a16:creationId xmlns:a16="http://schemas.microsoft.com/office/drawing/2014/main" id="{13615276-B683-0FEF-4C21-319328B94E33}"/>
+              </a:ext>
+            </a:extLst>
+          </p:cNvPr>
+          <p:cNvSpPr>
+            <a:spLocks noGrp="1"/>
+          </p:cNvSpPr>
+          <p:nvPr>
+            <p:ph type="title"/>
+          </p:nvPr>
+        </p:nvSpPr>
+        <p:spPr>
+          <a:xfrm>
+            <a:off x="591378" y="3030123"/>
+            <a:ext cx="11009243" cy="797753"/>
+          </a:xfrm>
+        </p:spPr>
+        <p:txBody>
+          <a:bodyPr>
+            <a:noAutofit/>
+          </a:bodyPr>
+          <a:lstStyle/>
+          <a:p>
+            <a:r>
+              <a:rPr lang="hu-HU" sz="8800" dirty="0"/>
+              <a:t>Továbbfejlesztési célok </a:t>
+            </a:r>
+          </a:p>
+        </p:txBody>
+      </p:sp>
+    </p:spTree>
+    <p:extLst>
+      <p:ext uri="{BB962C8B-B14F-4D97-AF65-F5344CB8AC3E}">
+        <p14:creationId xmlns:p14="http://schemas.microsoft.com/office/powerpoint/2010/main" val="941570525"/>
       </p:ext>
     </p:extLst>
   </p:cSld>

--- a/Dokumentáciok/ISABIKE.pptx
+++ b/Dokumentáciok/ISABIKE.pptx
@@ -9,32 +9,33 @@
     <p:sldId id="257" r:id="rId3"/>
     <p:sldId id="258" r:id="rId4"/>
     <p:sldId id="259" r:id="rId5"/>
-    <p:sldId id="260" r:id="rId6"/>
-    <p:sldId id="261" r:id="rId7"/>
-    <p:sldId id="262" r:id="rId8"/>
-    <p:sldId id="263" r:id="rId9"/>
-    <p:sldId id="264" r:id="rId10"/>
-    <p:sldId id="265" r:id="rId11"/>
-    <p:sldId id="266" r:id="rId12"/>
-    <p:sldId id="267" r:id="rId13"/>
-    <p:sldId id="268" r:id="rId14"/>
-    <p:sldId id="269" r:id="rId15"/>
-    <p:sldId id="270" r:id="rId16"/>
-    <p:sldId id="271" r:id="rId17"/>
-    <p:sldId id="272" r:id="rId18"/>
-    <p:sldId id="273" r:id="rId19"/>
-    <p:sldId id="274" r:id="rId20"/>
-    <p:sldId id="275" r:id="rId21"/>
-    <p:sldId id="276" r:id="rId22"/>
-    <p:sldId id="277" r:id="rId23"/>
-    <p:sldId id="278" r:id="rId24"/>
-    <p:sldId id="279" r:id="rId25"/>
-    <p:sldId id="282" r:id="rId26"/>
-    <p:sldId id="280" r:id="rId27"/>
-    <p:sldId id="283" r:id="rId28"/>
-    <p:sldId id="284" r:id="rId29"/>
-    <p:sldId id="281" r:id="rId30"/>
-    <p:sldId id="285" r:id="rId31"/>
+    <p:sldId id="286" r:id="rId6"/>
+    <p:sldId id="260" r:id="rId7"/>
+    <p:sldId id="261" r:id="rId8"/>
+    <p:sldId id="262" r:id="rId9"/>
+    <p:sldId id="273" r:id="rId10"/>
+    <p:sldId id="263" r:id="rId11"/>
+    <p:sldId id="264" r:id="rId12"/>
+    <p:sldId id="265" r:id="rId13"/>
+    <p:sldId id="266" r:id="rId14"/>
+    <p:sldId id="267" r:id="rId15"/>
+    <p:sldId id="268" r:id="rId16"/>
+    <p:sldId id="269" r:id="rId17"/>
+    <p:sldId id="270" r:id="rId18"/>
+    <p:sldId id="271" r:id="rId19"/>
+    <p:sldId id="272" r:id="rId20"/>
+    <p:sldId id="274" r:id="rId21"/>
+    <p:sldId id="275" r:id="rId22"/>
+    <p:sldId id="276" r:id="rId23"/>
+    <p:sldId id="277" r:id="rId24"/>
+    <p:sldId id="278" r:id="rId25"/>
+    <p:sldId id="279" r:id="rId26"/>
+    <p:sldId id="282" r:id="rId27"/>
+    <p:sldId id="280" r:id="rId28"/>
+    <p:sldId id="283" r:id="rId29"/>
+    <p:sldId id="284" r:id="rId30"/>
+    <p:sldId id="281" r:id="rId31"/>
+    <p:sldId id="285" r:id="rId32"/>
   </p:sldIdLst>
   <p:sldSz cx="12192000" cy="6858000"/>
   <p:notesSz cx="6858000" cy="9144000"/>
@@ -288,7 +289,7 @@
           <a:p>
             <a:fld id="{3CEC7B6D-250B-44C2-831F-E07DF1D9AD2E}" type="datetimeFigureOut">
               <a:rPr lang="hu-HU" smtClean="0"/>
-              <a:t>2024. 03. 25.</a:t>
+              <a:t>2024. 04. 08.</a:t>
             </a:fld>
             <a:endParaRPr lang="hu-HU"/>
           </a:p>
@@ -486,7 +487,7 @@
           <a:p>
             <a:fld id="{3CEC7B6D-250B-44C2-831F-E07DF1D9AD2E}" type="datetimeFigureOut">
               <a:rPr lang="hu-HU" smtClean="0"/>
-              <a:t>2024. 03. 25.</a:t>
+              <a:t>2024. 04. 08.</a:t>
             </a:fld>
             <a:endParaRPr lang="hu-HU"/>
           </a:p>
@@ -694,7 +695,7 @@
           <a:p>
             <a:fld id="{3CEC7B6D-250B-44C2-831F-E07DF1D9AD2E}" type="datetimeFigureOut">
               <a:rPr lang="hu-HU" smtClean="0"/>
-              <a:t>2024. 03. 25.</a:t>
+              <a:t>2024. 04. 08.</a:t>
             </a:fld>
             <a:endParaRPr lang="hu-HU"/>
           </a:p>
@@ -892,7 +893,7 @@
           <a:p>
             <a:fld id="{3CEC7B6D-250B-44C2-831F-E07DF1D9AD2E}" type="datetimeFigureOut">
               <a:rPr lang="hu-HU" smtClean="0"/>
-              <a:t>2024. 03. 25.</a:t>
+              <a:t>2024. 04. 08.</a:t>
             </a:fld>
             <a:endParaRPr lang="hu-HU"/>
           </a:p>
@@ -1167,7 +1168,7 @@
           <a:p>
             <a:fld id="{3CEC7B6D-250B-44C2-831F-E07DF1D9AD2E}" type="datetimeFigureOut">
               <a:rPr lang="hu-HU" smtClean="0"/>
-              <a:t>2024. 03. 25.</a:t>
+              <a:t>2024. 04. 08.</a:t>
             </a:fld>
             <a:endParaRPr lang="hu-HU"/>
           </a:p>
@@ -1432,7 +1433,7 @@
           <a:p>
             <a:fld id="{3CEC7B6D-250B-44C2-831F-E07DF1D9AD2E}" type="datetimeFigureOut">
               <a:rPr lang="hu-HU" smtClean="0"/>
-              <a:t>2024. 03. 25.</a:t>
+              <a:t>2024. 04. 08.</a:t>
             </a:fld>
             <a:endParaRPr lang="hu-HU"/>
           </a:p>
@@ -1844,7 +1845,7 @@
           <a:p>
             <a:fld id="{3CEC7B6D-250B-44C2-831F-E07DF1D9AD2E}" type="datetimeFigureOut">
               <a:rPr lang="hu-HU" smtClean="0"/>
-              <a:t>2024. 03. 25.</a:t>
+              <a:t>2024. 04. 08.</a:t>
             </a:fld>
             <a:endParaRPr lang="hu-HU"/>
           </a:p>
@@ -1985,7 +1986,7 @@
           <a:p>
             <a:fld id="{3CEC7B6D-250B-44C2-831F-E07DF1D9AD2E}" type="datetimeFigureOut">
               <a:rPr lang="hu-HU" smtClean="0"/>
-              <a:t>2024. 03. 25.</a:t>
+              <a:t>2024. 04. 08.</a:t>
             </a:fld>
             <a:endParaRPr lang="hu-HU"/>
           </a:p>
@@ -2098,7 +2099,7 @@
           <a:p>
             <a:fld id="{3CEC7B6D-250B-44C2-831F-E07DF1D9AD2E}" type="datetimeFigureOut">
               <a:rPr lang="hu-HU" smtClean="0"/>
-              <a:t>2024. 03. 25.</a:t>
+              <a:t>2024. 04. 08.</a:t>
             </a:fld>
             <a:endParaRPr lang="hu-HU"/>
           </a:p>
@@ -2409,7 +2410,7 @@
           <a:p>
             <a:fld id="{3CEC7B6D-250B-44C2-831F-E07DF1D9AD2E}" type="datetimeFigureOut">
               <a:rPr lang="hu-HU" smtClean="0"/>
-              <a:t>2024. 03. 25.</a:t>
+              <a:t>2024. 04. 08.</a:t>
             </a:fld>
             <a:endParaRPr lang="hu-HU"/>
           </a:p>
@@ -2697,7 +2698,7 @@
           <a:p>
             <a:fld id="{3CEC7B6D-250B-44C2-831F-E07DF1D9AD2E}" type="datetimeFigureOut">
               <a:rPr lang="hu-HU" smtClean="0"/>
-              <a:t>2024. 03. 25.</a:t>
+              <a:t>2024. 04. 08.</a:t>
             </a:fld>
             <a:endParaRPr lang="hu-HU"/>
           </a:p>
@@ -2938,7 +2939,7 @@
           <a:p>
             <a:fld id="{3CEC7B6D-250B-44C2-831F-E07DF1D9AD2E}" type="datetimeFigureOut">
               <a:rPr lang="hu-HU" smtClean="0"/>
-              <a:t>2024. 03. 25.</a:t>
+              <a:t>2024. 04. 08.</a:t>
             </a:fld>
             <a:endParaRPr lang="hu-HU"/>
           </a:p>
@@ -3491,38 +3492,24 @@
             <p:ph type="title"/>
           </p:nvPr>
         </p:nvSpPr>
-        <p:spPr>
-          <a:xfrm>
-            <a:off x="838200" y="365125"/>
-            <a:ext cx="10515600" cy="956779"/>
-          </a:xfrm>
-        </p:spPr>
+        <p:spPr/>
         <p:txBody>
           <a:bodyPr/>
           <a:lstStyle/>
           <a:p>
             <a:r>
-              <a:rPr lang="hu-HU" dirty="0" err="1"/>
-              <a:t>Bearer</a:t>
-            </a:r>
-            <a:r>
-              <a:rPr lang="hu-HU" dirty="0"/>
-              <a:t> </a:t>
-            </a:r>
-            <a:r>
-              <a:rPr lang="hu-HU" dirty="0" err="1"/>
-              <a:t>Token</a:t>
-            </a:r>
-            <a:endParaRPr lang="hu-HU" dirty="0"/>
+              <a:rPr lang="hu-HU" dirty="0"/>
+              <a:t>Végpontok</a:t>
+            </a:r>
           </a:p>
         </p:txBody>
       </p:sp>
       <p:pic>
         <p:nvPicPr>
-          <p:cNvPr id="5" name="Kép 4">
-            <a:extLst>
-              <a:ext uri="{FF2B5EF4-FFF2-40B4-BE49-F238E27FC236}">
-                <a16:creationId xmlns:a16="http://schemas.microsoft.com/office/drawing/2014/main" id="{6DC4A1E0-D322-BFF5-A50D-F60D640DFBA5}"/>
+          <p:cNvPr id="7" name="Kép 6">
+            <a:extLst>
+              <a:ext uri="{FF2B5EF4-FFF2-40B4-BE49-F238E27FC236}">
+                <a16:creationId xmlns:a16="http://schemas.microsoft.com/office/drawing/2014/main" id="{41624AFF-AE99-92EF-0078-58A5CD13F654}"/>
               </a:ext>
             </a:extLst>
           </p:cNvPr>
@@ -3539,8 +3526,8 @@
         </p:blipFill>
         <p:spPr>
           <a:xfrm>
-            <a:off x="2263015" y="1775998"/>
-            <a:ext cx="7248525" cy="4200525"/>
+            <a:off x="1313207" y="2081004"/>
+            <a:ext cx="9809069" cy="3514725"/>
           </a:xfrm>
           <a:prstGeom prst="rect">
             <a:avLst/>
@@ -3550,7 +3537,7 @@
     </p:spTree>
     <p:extLst>
       <p:ext uri="{BB962C8B-B14F-4D97-AF65-F5344CB8AC3E}">
-        <p14:creationId xmlns:p14="http://schemas.microsoft.com/office/powerpoint/2010/main" val="427520670"/>
+        <p14:creationId xmlns:p14="http://schemas.microsoft.com/office/powerpoint/2010/main" val="3769889436"/>
       </p:ext>
     </p:extLst>
   </p:cSld>
@@ -3610,9 +3597,12 @@
           <a:p>
             <a:r>
               <a:rPr lang="hu-HU" dirty="0" err="1"/>
-              <a:t>Controllerek</a:t>
-            </a:r>
-            <a:endParaRPr lang="hu-HU" dirty="0"/>
+              <a:t>Json</a:t>
+            </a:r>
+            <a:r>
+              <a:rPr lang="hu-HU" dirty="0"/>
+              <a:t>{}</a:t>
+            </a:r>
           </a:p>
         </p:txBody>
       </p:sp>
@@ -3621,7 +3611,7 @@
           <p:cNvPr id="5" name="Kép 4">
             <a:extLst>
               <a:ext uri="{FF2B5EF4-FFF2-40B4-BE49-F238E27FC236}">
-                <a16:creationId xmlns:a16="http://schemas.microsoft.com/office/drawing/2014/main" id="{F22B9D63-A93A-1D16-9A3C-B60AA5A6BA33}"/>
+                <a16:creationId xmlns:a16="http://schemas.microsoft.com/office/drawing/2014/main" id="{7BE75C87-4AF9-2210-CFDB-1C0EC5EEA0B4}"/>
               </a:ext>
             </a:extLst>
           </p:cNvPr>
@@ -3638,38 +3628,8 @@
         </p:blipFill>
         <p:spPr>
           <a:xfrm>
-            <a:off x="640038" y="2093636"/>
-            <a:ext cx="3000375" cy="4181475"/>
-          </a:xfrm>
-          <a:prstGeom prst="rect">
-            <a:avLst/>
-          </a:prstGeom>
-        </p:spPr>
-      </p:pic>
-      <p:pic>
-        <p:nvPicPr>
-          <p:cNvPr id="7" name="Kép 6">
-            <a:extLst>
-              <a:ext uri="{FF2B5EF4-FFF2-40B4-BE49-F238E27FC236}">
-                <a16:creationId xmlns:a16="http://schemas.microsoft.com/office/drawing/2014/main" id="{AB558A0C-48D0-3B03-3E82-54D92C89992F}"/>
-              </a:ext>
-            </a:extLst>
-          </p:cNvPr>
-          <p:cNvPicPr>
-            <a:picLocks noChangeAspect="1"/>
-          </p:cNvPicPr>
-          <p:nvPr/>
-        </p:nvPicPr>
-        <p:blipFill>
-          <a:blip r:embed="rId3"/>
-          <a:stretch>
-            <a:fillRect/>
-          </a:stretch>
-        </p:blipFill>
-        <p:spPr>
-          <a:xfrm>
-            <a:off x="4000620" y="1520686"/>
-            <a:ext cx="7353180" cy="3661120"/>
+            <a:off x="2029653" y="1804780"/>
+            <a:ext cx="7258050" cy="4381500"/>
           </a:xfrm>
           <a:prstGeom prst="rect">
             <a:avLst/>
@@ -3679,7 +3639,7 @@
     </p:spTree>
     <p:extLst>
       <p:ext uri="{BB962C8B-B14F-4D97-AF65-F5344CB8AC3E}">
-        <p14:creationId xmlns:p14="http://schemas.microsoft.com/office/powerpoint/2010/main" val="1956226822"/>
+        <p14:creationId xmlns:p14="http://schemas.microsoft.com/office/powerpoint/2010/main" val="3805025832"/>
       </p:ext>
     </p:extLst>
   </p:cSld>
@@ -3732,14 +3692,27 @@
             <p:ph type="title"/>
           </p:nvPr>
         </p:nvSpPr>
-        <p:spPr/>
+        <p:spPr>
+          <a:xfrm>
+            <a:off x="838200" y="365125"/>
+            <a:ext cx="10515600" cy="956779"/>
+          </a:xfrm>
+        </p:spPr>
         <p:txBody>
           <a:bodyPr/>
           <a:lstStyle/>
           <a:p>
             <a:r>
               <a:rPr lang="hu-HU" dirty="0" err="1"/>
-              <a:t>Validácio</a:t>
+              <a:t>Bearer</a:t>
+            </a:r>
+            <a:r>
+              <a:rPr lang="hu-HU" dirty="0"/>
+              <a:t> </a:t>
+            </a:r>
+            <a:r>
+              <a:rPr lang="hu-HU" dirty="0" err="1"/>
+              <a:t>Token</a:t>
             </a:r>
             <a:endParaRPr lang="hu-HU" dirty="0"/>
           </a:p>
@@ -3750,7 +3723,7 @@
           <p:cNvPr id="5" name="Kép 4">
             <a:extLst>
               <a:ext uri="{FF2B5EF4-FFF2-40B4-BE49-F238E27FC236}">
-                <a16:creationId xmlns:a16="http://schemas.microsoft.com/office/drawing/2014/main" id="{8A9C40E3-3FCF-970B-3704-AB267B87CE71}"/>
+                <a16:creationId xmlns:a16="http://schemas.microsoft.com/office/drawing/2014/main" id="{6DC4A1E0-D322-BFF5-A50D-F60D640DFBA5}"/>
               </a:ext>
             </a:extLst>
           </p:cNvPr>
@@ -3767,38 +3740,8 @@
         </p:blipFill>
         <p:spPr>
           <a:xfrm>
-            <a:off x="5764488" y="358189"/>
-            <a:ext cx="5821492" cy="5787197"/>
-          </a:xfrm>
-          <a:prstGeom prst="rect">
-            <a:avLst/>
-          </a:prstGeom>
-        </p:spPr>
-      </p:pic>
-      <p:pic>
-        <p:nvPicPr>
-          <p:cNvPr id="7" name="Kép 6">
-            <a:extLst>
-              <a:ext uri="{FF2B5EF4-FFF2-40B4-BE49-F238E27FC236}">
-                <a16:creationId xmlns:a16="http://schemas.microsoft.com/office/drawing/2014/main" id="{6C4522D9-C547-4ECD-0B07-18C6492E90F6}"/>
-              </a:ext>
-            </a:extLst>
-          </p:cNvPr>
-          <p:cNvPicPr>
-            <a:picLocks noChangeAspect="1"/>
-          </p:cNvPicPr>
-          <p:nvPr/>
-        </p:nvPicPr>
-        <p:blipFill>
-          <a:blip r:embed="rId3"/>
-          <a:stretch>
-            <a:fillRect/>
-          </a:stretch>
-        </p:blipFill>
-        <p:spPr>
-          <a:xfrm>
-            <a:off x="506895" y="2724728"/>
-            <a:ext cx="4529962" cy="2707948"/>
+            <a:off x="2263015" y="1775998"/>
+            <a:ext cx="7248525" cy="4200525"/>
           </a:xfrm>
           <a:prstGeom prst="rect">
             <a:avLst/>
@@ -3808,7 +3751,7 @@
     </p:spTree>
     <p:extLst>
       <p:ext uri="{BB962C8B-B14F-4D97-AF65-F5344CB8AC3E}">
-        <p14:creationId xmlns:p14="http://schemas.microsoft.com/office/powerpoint/2010/main" val="3605779554"/>
+        <p14:creationId xmlns:p14="http://schemas.microsoft.com/office/powerpoint/2010/main" val="427520670"/>
       </p:ext>
     </p:extLst>
   </p:cSld>
@@ -3861,27 +3804,14 @@
             <p:ph type="title"/>
           </p:nvPr>
         </p:nvSpPr>
-        <p:spPr>
-          <a:xfrm>
-            <a:off x="838200" y="365126"/>
-            <a:ext cx="10515600" cy="877266"/>
-          </a:xfrm>
-        </p:spPr>
+        <p:spPr/>
         <p:txBody>
           <a:bodyPr/>
           <a:lstStyle/>
           <a:p>
             <a:r>
               <a:rPr lang="hu-HU" dirty="0" err="1"/>
-              <a:t>Controller</a:t>
-            </a:r>
-            <a:r>
-              <a:rPr lang="hu-HU" dirty="0"/>
-              <a:t> </a:t>
-            </a:r>
-            <a:r>
-              <a:rPr lang="hu-HU" dirty="0" err="1"/>
-              <a:t>functions</a:t>
+              <a:t>Controllerek</a:t>
             </a:r>
             <a:endParaRPr lang="hu-HU" dirty="0"/>
           </a:p>
@@ -3892,7 +3822,7 @@
           <p:cNvPr id="5" name="Kép 4">
             <a:extLst>
               <a:ext uri="{FF2B5EF4-FFF2-40B4-BE49-F238E27FC236}">
-                <a16:creationId xmlns:a16="http://schemas.microsoft.com/office/drawing/2014/main" id="{268E3918-1CF1-7C1B-4547-3A44BB571174}"/>
+                <a16:creationId xmlns:a16="http://schemas.microsoft.com/office/drawing/2014/main" id="{F22B9D63-A93A-1D16-9A3C-B60AA5A6BA33}"/>
               </a:ext>
             </a:extLst>
           </p:cNvPr>
@@ -3909,8 +3839,38 @@
         </p:blipFill>
         <p:spPr>
           <a:xfrm>
-            <a:off x="530088" y="2246450"/>
-            <a:ext cx="10641496" cy="2672691"/>
+            <a:off x="640038" y="2093636"/>
+            <a:ext cx="3000375" cy="4181475"/>
+          </a:xfrm>
+          <a:prstGeom prst="rect">
+            <a:avLst/>
+          </a:prstGeom>
+        </p:spPr>
+      </p:pic>
+      <p:pic>
+        <p:nvPicPr>
+          <p:cNvPr id="7" name="Kép 6">
+            <a:extLst>
+              <a:ext uri="{FF2B5EF4-FFF2-40B4-BE49-F238E27FC236}">
+                <a16:creationId xmlns:a16="http://schemas.microsoft.com/office/drawing/2014/main" id="{AB558A0C-48D0-3B03-3E82-54D92C89992F}"/>
+              </a:ext>
+            </a:extLst>
+          </p:cNvPr>
+          <p:cNvPicPr>
+            <a:picLocks noChangeAspect="1"/>
+          </p:cNvPicPr>
+          <p:nvPr/>
+        </p:nvPicPr>
+        <p:blipFill>
+          <a:blip r:embed="rId3"/>
+          <a:stretch>
+            <a:fillRect/>
+          </a:stretch>
+        </p:blipFill>
+        <p:spPr>
+          <a:xfrm>
+            <a:off x="4000620" y="1520686"/>
+            <a:ext cx="7353180" cy="3661120"/>
           </a:xfrm>
           <a:prstGeom prst="rect">
             <a:avLst/>
@@ -3920,7 +3880,7 @@
     </p:spTree>
     <p:extLst>
       <p:ext uri="{BB962C8B-B14F-4D97-AF65-F5344CB8AC3E}">
-        <p14:creationId xmlns:p14="http://schemas.microsoft.com/office/powerpoint/2010/main" val="3400333774"/>
+        <p14:creationId xmlns:p14="http://schemas.microsoft.com/office/powerpoint/2010/main" val="1956226822"/>
       </p:ext>
     </p:extLst>
   </p:cSld>
@@ -3973,21 +3933,15 @@
             <p:ph type="title"/>
           </p:nvPr>
         </p:nvSpPr>
-        <p:spPr>
-          <a:xfrm>
-            <a:off x="838200" y="365126"/>
-            <a:ext cx="10515600" cy="767936"/>
-          </a:xfrm>
-        </p:spPr>
+        <p:spPr/>
         <p:txBody>
           <a:bodyPr/>
           <a:lstStyle/>
           <a:p>
             <a:r>
-              <a:rPr lang="hu-HU" dirty="0" err="1"/>
-              <a:t>Procedures</a:t>
-            </a:r>
-            <a:endParaRPr lang="hu-HU" dirty="0"/>
+              <a:rPr lang="hu-HU" dirty="0"/>
+              <a:t>Validáció</a:t>
+            </a:r>
           </a:p>
         </p:txBody>
       </p:sp>
@@ -3996,7 +3950,7 @@
           <p:cNvPr id="5" name="Kép 4">
             <a:extLst>
               <a:ext uri="{FF2B5EF4-FFF2-40B4-BE49-F238E27FC236}">
-                <a16:creationId xmlns:a16="http://schemas.microsoft.com/office/drawing/2014/main" id="{D4F5D0C1-A8C8-0D91-FD3D-F12928E2BFAE}"/>
+                <a16:creationId xmlns:a16="http://schemas.microsoft.com/office/drawing/2014/main" id="{8A9C40E3-3FCF-970B-3704-AB267B87CE71}"/>
               </a:ext>
             </a:extLst>
           </p:cNvPr>
@@ -4013,8 +3967,8 @@
         </p:blipFill>
         <p:spPr>
           <a:xfrm>
-            <a:off x="585994" y="1915974"/>
-            <a:ext cx="3028950" cy="3781425"/>
+            <a:off x="5764488" y="358189"/>
+            <a:ext cx="5821492" cy="5787197"/>
           </a:xfrm>
           <a:prstGeom prst="rect">
             <a:avLst/>
@@ -4026,7 +3980,7 @@
           <p:cNvPr id="7" name="Kép 6">
             <a:extLst>
               <a:ext uri="{FF2B5EF4-FFF2-40B4-BE49-F238E27FC236}">
-                <a16:creationId xmlns:a16="http://schemas.microsoft.com/office/drawing/2014/main" id="{F981BCB4-363F-67B2-A326-8E3844D98ECC}"/>
+                <a16:creationId xmlns:a16="http://schemas.microsoft.com/office/drawing/2014/main" id="{6C4522D9-C547-4ECD-0B07-18C6492E90F6}"/>
               </a:ext>
             </a:extLst>
           </p:cNvPr>
@@ -4043,8 +3997,8 @@
         </p:blipFill>
         <p:spPr>
           <a:xfrm>
-            <a:off x="4065311" y="1417569"/>
-            <a:ext cx="7858125" cy="3028950"/>
+            <a:off x="506895" y="2724728"/>
+            <a:ext cx="4529962" cy="2707948"/>
           </a:xfrm>
           <a:prstGeom prst="rect">
             <a:avLst/>
@@ -4054,7 +4008,7 @@
     </p:spTree>
     <p:extLst>
       <p:ext uri="{BB962C8B-B14F-4D97-AF65-F5344CB8AC3E}">
-        <p14:creationId xmlns:p14="http://schemas.microsoft.com/office/powerpoint/2010/main" val="3068185747"/>
+        <p14:creationId xmlns:p14="http://schemas.microsoft.com/office/powerpoint/2010/main" val="3605779554"/>
       </p:ext>
     </p:extLst>
   </p:cSld>
@@ -4109,32 +4063,64 @@
         </p:nvSpPr>
         <p:spPr>
           <a:xfrm>
-            <a:off x="1675571" y="1897062"/>
-            <a:ext cx="8840858" cy="3063875"/>
+            <a:off x="838200" y="365126"/>
+            <a:ext cx="10515600" cy="877266"/>
           </a:xfrm>
         </p:spPr>
         <p:txBody>
-          <a:bodyPr>
-            <a:normAutofit/>
-          </a:bodyPr>
-          <a:lstStyle/>
-          <a:p>
-            <a:r>
-              <a:rPr lang="hu-HU" sz="8800" dirty="0"/>
-              <a:t>Néhány </a:t>
-            </a:r>
-            <a:r>
-              <a:rPr lang="hu-HU" sz="8800" dirty="0" err="1"/>
-              <a:t>procedure</a:t>
-            </a:r>
-            <a:endParaRPr lang="hu-HU" sz="8800" dirty="0"/>
-          </a:p>
-        </p:txBody>
-      </p:sp>
+          <a:bodyPr/>
+          <a:lstStyle/>
+          <a:p>
+            <a:r>
+              <a:rPr lang="hu-HU" dirty="0" err="1"/>
+              <a:t>Controller</a:t>
+            </a:r>
+            <a:r>
+              <a:rPr lang="hu-HU" dirty="0"/>
+              <a:t> </a:t>
+            </a:r>
+            <a:r>
+              <a:rPr lang="hu-HU" dirty="0" err="1"/>
+              <a:t>functions</a:t>
+            </a:r>
+            <a:endParaRPr lang="hu-HU" dirty="0"/>
+          </a:p>
+        </p:txBody>
+      </p:sp>
+      <p:pic>
+        <p:nvPicPr>
+          <p:cNvPr id="5" name="Kép 4">
+            <a:extLst>
+              <a:ext uri="{FF2B5EF4-FFF2-40B4-BE49-F238E27FC236}">
+                <a16:creationId xmlns:a16="http://schemas.microsoft.com/office/drawing/2014/main" id="{268E3918-1CF1-7C1B-4547-3A44BB571174}"/>
+              </a:ext>
+            </a:extLst>
+          </p:cNvPr>
+          <p:cNvPicPr>
+            <a:picLocks noChangeAspect="1"/>
+          </p:cNvPicPr>
+          <p:nvPr/>
+        </p:nvPicPr>
+        <p:blipFill>
+          <a:blip r:embed="rId2"/>
+          <a:stretch>
+            <a:fillRect/>
+          </a:stretch>
+        </p:blipFill>
+        <p:spPr>
+          <a:xfrm>
+            <a:off x="530088" y="2246450"/>
+            <a:ext cx="10641496" cy="2672691"/>
+          </a:xfrm>
+          <a:prstGeom prst="rect">
+            <a:avLst/>
+          </a:prstGeom>
+        </p:spPr>
+      </p:pic>
     </p:spTree>
     <p:extLst>
       <p:ext uri="{BB962C8B-B14F-4D97-AF65-F5344CB8AC3E}">
-        <p14:creationId xmlns:p14="http://schemas.microsoft.com/office/powerpoint/2010/main" val="1962500987"/>
+        <p14:creationId xmlns:p14="http://schemas.microsoft.com/office/powerpoint/2010/main" val="3400333774"/>
       </p:ext>
     </p:extLst>
   </p:cSld>
@@ -4171,12 +4157,54 @@
           <a:chExt cx="0" cy="0"/>
         </a:xfrm>
       </p:grpSpPr>
+      <p:sp>
+        <p:nvSpPr>
+          <p:cNvPr id="2" name="Cím 1">
+            <a:extLst>
+              <a:ext uri="{FF2B5EF4-FFF2-40B4-BE49-F238E27FC236}">
+                <a16:creationId xmlns:a16="http://schemas.microsoft.com/office/drawing/2014/main" id="{13615276-B683-0FEF-4C21-319328B94E33}"/>
+              </a:ext>
+            </a:extLst>
+          </p:cNvPr>
+          <p:cNvSpPr>
+            <a:spLocks noGrp="1"/>
+          </p:cNvSpPr>
+          <p:nvPr>
+            <p:ph type="title"/>
+          </p:nvPr>
+        </p:nvSpPr>
+        <p:spPr>
+          <a:xfrm>
+            <a:off x="838200" y="365126"/>
+            <a:ext cx="10515600" cy="767936"/>
+          </a:xfrm>
+        </p:spPr>
+        <p:txBody>
+          <a:bodyPr/>
+          <a:lstStyle/>
+          <a:p>
+            <a:r>
+              <a:rPr lang="hu-HU" dirty="0" err="1"/>
+              <a:t>Stored</a:t>
+            </a:r>
+            <a:r>
+              <a:rPr lang="hu-HU" dirty="0"/>
+              <a:t> </a:t>
+            </a:r>
+            <a:r>
+              <a:rPr lang="hu-HU" dirty="0" err="1"/>
+              <a:t>procedures</a:t>
+            </a:r>
+            <a:endParaRPr lang="hu-HU" dirty="0"/>
+          </a:p>
+        </p:txBody>
+      </p:sp>
       <p:pic>
         <p:nvPicPr>
           <p:cNvPr id="5" name="Kép 4">
             <a:extLst>
               <a:ext uri="{FF2B5EF4-FFF2-40B4-BE49-F238E27FC236}">
-                <a16:creationId xmlns:a16="http://schemas.microsoft.com/office/drawing/2014/main" id="{A5355B2D-C363-27A4-64D3-070FF3720769}"/>
+                <a16:creationId xmlns:a16="http://schemas.microsoft.com/office/drawing/2014/main" id="{D4F5D0C1-A8C8-0D91-FD3D-F12928E2BFAE}"/>
               </a:ext>
             </a:extLst>
           </p:cNvPr>
@@ -4193,8 +4221,38 @@
         </p:blipFill>
         <p:spPr>
           <a:xfrm>
-            <a:off x="1414565" y="283394"/>
-            <a:ext cx="9362869" cy="6291211"/>
+            <a:off x="585994" y="1915974"/>
+            <a:ext cx="3028950" cy="3781425"/>
+          </a:xfrm>
+          <a:prstGeom prst="rect">
+            <a:avLst/>
+          </a:prstGeom>
+        </p:spPr>
+      </p:pic>
+      <p:pic>
+        <p:nvPicPr>
+          <p:cNvPr id="7" name="Kép 6">
+            <a:extLst>
+              <a:ext uri="{FF2B5EF4-FFF2-40B4-BE49-F238E27FC236}">
+                <a16:creationId xmlns:a16="http://schemas.microsoft.com/office/drawing/2014/main" id="{F981BCB4-363F-67B2-A326-8E3844D98ECC}"/>
+              </a:ext>
+            </a:extLst>
+          </p:cNvPr>
+          <p:cNvPicPr>
+            <a:picLocks noChangeAspect="1"/>
+          </p:cNvPicPr>
+          <p:nvPr/>
+        </p:nvPicPr>
+        <p:blipFill>
+          <a:blip r:embed="rId3"/>
+          <a:stretch>
+            <a:fillRect/>
+          </a:stretch>
+        </p:blipFill>
+        <p:spPr>
+          <a:xfrm>
+            <a:off x="4065311" y="1417569"/>
+            <a:ext cx="7858125" cy="3028950"/>
           </a:xfrm>
           <a:prstGeom prst="rect">
             <a:avLst/>
@@ -4204,7 +4262,7 @@
     </p:spTree>
     <p:extLst>
       <p:ext uri="{BB962C8B-B14F-4D97-AF65-F5344CB8AC3E}">
-        <p14:creationId xmlns:p14="http://schemas.microsoft.com/office/powerpoint/2010/main" val="614185274"/>
+        <p14:creationId xmlns:p14="http://schemas.microsoft.com/office/powerpoint/2010/main" val="3068185747"/>
       </p:ext>
     </p:extLst>
   </p:cSld>
@@ -4241,40 +4299,58 @@
           <a:chExt cx="0" cy="0"/>
         </a:xfrm>
       </p:grpSpPr>
-      <p:pic>
-        <p:nvPicPr>
-          <p:cNvPr id="5" name="Kép 4">
-            <a:extLst>
-              <a:ext uri="{FF2B5EF4-FFF2-40B4-BE49-F238E27FC236}">
-                <a16:creationId xmlns:a16="http://schemas.microsoft.com/office/drawing/2014/main" id="{AE83D980-B751-2EA0-F9F4-E45F1954D78F}"/>
-              </a:ext>
-            </a:extLst>
-          </p:cNvPr>
-          <p:cNvPicPr>
-            <a:picLocks noChangeAspect="1"/>
-          </p:cNvPicPr>
-          <p:nvPr/>
-        </p:nvPicPr>
-        <p:blipFill>
-          <a:blip r:embed="rId2"/>
-          <a:stretch>
-            <a:fillRect/>
-          </a:stretch>
-        </p:blipFill>
+      <p:sp>
+        <p:nvSpPr>
+          <p:cNvPr id="2" name="Cím 1">
+            <a:extLst>
+              <a:ext uri="{FF2B5EF4-FFF2-40B4-BE49-F238E27FC236}">
+                <a16:creationId xmlns:a16="http://schemas.microsoft.com/office/drawing/2014/main" id="{13615276-B683-0FEF-4C21-319328B94E33}"/>
+              </a:ext>
+            </a:extLst>
+          </p:cNvPr>
+          <p:cNvSpPr>
+            <a:spLocks noGrp="1"/>
+          </p:cNvSpPr>
+          <p:nvPr>
+            <p:ph type="title"/>
+          </p:nvPr>
+        </p:nvSpPr>
         <p:spPr>
           <a:xfrm>
-            <a:off x="66675" y="595312"/>
-            <a:ext cx="12058650" cy="5667375"/>
+            <a:off x="1675571" y="1897062"/>
+            <a:ext cx="8840858" cy="3063875"/>
           </a:xfrm>
-          <a:prstGeom prst="rect">
-            <a:avLst/>
-          </a:prstGeom>
         </p:spPr>
-      </p:pic>
+        <p:txBody>
+          <a:bodyPr>
+            <a:normAutofit/>
+          </a:bodyPr>
+          <a:lstStyle/>
+          <a:p>
+            <a:r>
+              <a:rPr lang="hu-HU" sz="8800" dirty="0"/>
+              <a:t>Néhány </a:t>
+            </a:r>
+            <a:r>
+              <a:rPr lang="hu-HU" sz="8800" dirty="0" err="1"/>
+              <a:t>stored</a:t>
+            </a:r>
+            <a:r>
+              <a:rPr lang="hu-HU" sz="8800" dirty="0"/>
+              <a:t> </a:t>
+            </a:r>
+            <a:r>
+              <a:rPr lang="hu-HU" sz="8800" dirty="0" err="1"/>
+              <a:t>procedure</a:t>
+            </a:r>
+            <a:endParaRPr lang="hu-HU" sz="8800" dirty="0"/>
+          </a:p>
+        </p:txBody>
+      </p:sp>
     </p:spTree>
     <p:extLst>
       <p:ext uri="{BB962C8B-B14F-4D97-AF65-F5344CB8AC3E}">
-        <p14:creationId xmlns:p14="http://schemas.microsoft.com/office/powerpoint/2010/main" val="4208336440"/>
+        <p14:creationId xmlns:p14="http://schemas.microsoft.com/office/powerpoint/2010/main" val="1962500987"/>
       </p:ext>
     </p:extLst>
   </p:cSld>
@@ -4311,45 +4387,12 @@
           <a:chExt cx="0" cy="0"/>
         </a:xfrm>
       </p:grpSpPr>
-      <p:sp>
-        <p:nvSpPr>
-          <p:cNvPr id="2" name="Cím 1">
-            <a:extLst>
-              <a:ext uri="{FF2B5EF4-FFF2-40B4-BE49-F238E27FC236}">
-                <a16:creationId xmlns:a16="http://schemas.microsoft.com/office/drawing/2014/main" id="{13615276-B683-0FEF-4C21-319328B94E33}"/>
-              </a:ext>
-            </a:extLst>
-          </p:cNvPr>
-          <p:cNvSpPr>
-            <a:spLocks noGrp="1"/>
-          </p:cNvSpPr>
-          <p:nvPr>
-            <p:ph type="title"/>
-          </p:nvPr>
-        </p:nvSpPr>
-        <p:spPr>
-          <a:xfrm>
-            <a:off x="838200" y="365125"/>
-            <a:ext cx="10515600" cy="956779"/>
-          </a:xfrm>
-        </p:spPr>
-        <p:txBody>
-          <a:bodyPr/>
-          <a:lstStyle/>
-          <a:p>
-            <a:r>
-              <a:rPr lang="hu-HU" dirty="0"/>
-              <a:t>Adatbázis modell</a:t>
-            </a:r>
-          </a:p>
-        </p:txBody>
-      </p:sp>
       <p:pic>
         <p:nvPicPr>
           <p:cNvPr id="5" name="Kép 4">
             <a:extLst>
               <a:ext uri="{FF2B5EF4-FFF2-40B4-BE49-F238E27FC236}">
-                <a16:creationId xmlns:a16="http://schemas.microsoft.com/office/drawing/2014/main" id="{DFBF0D9F-F2D9-13A9-7C8B-14B73F336DFF}"/>
+                <a16:creationId xmlns:a16="http://schemas.microsoft.com/office/drawing/2014/main" id="{A5355B2D-C363-27A4-64D3-070FF3720769}"/>
               </a:ext>
             </a:extLst>
           </p:cNvPr>
@@ -4366,8 +4409,8 @@
         </p:blipFill>
         <p:spPr>
           <a:xfrm>
-            <a:off x="1007165" y="1371600"/>
-            <a:ext cx="10346635" cy="4767945"/>
+            <a:off x="1414565" y="283394"/>
+            <a:ext cx="9362869" cy="6291211"/>
           </a:xfrm>
           <a:prstGeom prst="rect">
             <a:avLst/>
@@ -4377,7 +4420,7 @@
     </p:spTree>
     <p:extLst>
       <p:ext uri="{BB962C8B-B14F-4D97-AF65-F5344CB8AC3E}">
-        <p14:creationId xmlns:p14="http://schemas.microsoft.com/office/powerpoint/2010/main" val="1728395480"/>
+        <p14:creationId xmlns:p14="http://schemas.microsoft.com/office/powerpoint/2010/main" val="614185274"/>
       </p:ext>
     </p:extLst>
   </p:cSld>
@@ -4416,35 +4459,883 @@
       </p:grpSpPr>
       <p:sp>
         <p:nvSpPr>
-          <p:cNvPr id="2" name="Cím 1">
-            <a:extLst>
-              <a:ext uri="{FF2B5EF4-FFF2-40B4-BE49-F238E27FC236}">
-                <a16:creationId xmlns:a16="http://schemas.microsoft.com/office/drawing/2014/main" id="{13615276-B683-0FEF-4C21-319328B94E33}"/>
-              </a:ext>
-            </a:extLst>
-          </p:cNvPr>
-          <p:cNvSpPr>
-            <a:spLocks noGrp="1"/>
-          </p:cNvSpPr>
-          <p:nvPr>
-            <p:ph type="title"/>
-          </p:nvPr>
+          <p:cNvPr id="2" name="Szövegdoboz 1">
+            <a:extLst>
+              <a:ext uri="{FF2B5EF4-FFF2-40B4-BE49-F238E27FC236}">
+                <a16:creationId xmlns:a16="http://schemas.microsoft.com/office/drawing/2014/main" id="{F10B31BD-5485-D9CB-70BD-CC82107D8720}"/>
+              </a:ext>
+            </a:extLst>
+          </p:cNvPr>
+          <p:cNvSpPr txBox="1"/>
+          <p:nvPr/>
         </p:nvSpPr>
         <p:spPr>
           <a:xfrm>
-            <a:off x="591378" y="3030123"/>
-            <a:ext cx="11009243" cy="797753"/>
+            <a:off x="308112" y="377687"/>
+            <a:ext cx="11509514" cy="11172289"/>
           </a:xfrm>
+          <a:prstGeom prst="rect">
+            <a:avLst/>
+          </a:prstGeom>
+          <a:noFill/>
         </p:spPr>
         <p:txBody>
-          <a:bodyPr>
-            <a:noAutofit/>
+          <a:bodyPr wrap="square" rtlCol="0">
+            <a:spAutoFit/>
           </a:bodyPr>
           <a:lstStyle/>
           <a:p>
             <a:r>
-              <a:rPr lang="hu-HU" sz="8800" dirty="0"/>
-              <a:t>Továbbfejlesztési célok </a:t>
+              <a:rPr lang="hu-HU" dirty="0" err="1"/>
+              <a:t>DElIMITER</a:t>
+            </a:r>
+            <a:r>
+              <a:rPr lang="hu-HU" dirty="0"/>
+              <a:t> $$</a:t>
+            </a:r>
+          </a:p>
+          <a:p>
+            <a:r>
+              <a:rPr lang="hu-HU" dirty="0" err="1"/>
+              <a:t>create</a:t>
+            </a:r>
+            <a:r>
+              <a:rPr lang="hu-HU" dirty="0"/>
+              <a:t> </a:t>
+            </a:r>
+            <a:r>
+              <a:rPr lang="hu-HU" dirty="0" err="1"/>
+              <a:t>procedure</a:t>
+            </a:r>
+            <a:r>
+              <a:rPr lang="hu-HU" dirty="0"/>
+              <a:t> </a:t>
+            </a:r>
+            <a:r>
+              <a:rPr lang="hu-HU" dirty="0" err="1"/>
+              <a:t>add_rendeles_procedure</a:t>
+            </a:r>
+            <a:r>
+              <a:rPr lang="hu-HU" dirty="0"/>
+              <a:t>(IN </a:t>
+            </a:r>
+            <a:r>
+              <a:rPr lang="hu-HU" dirty="0" err="1"/>
+              <a:t>Token_p</a:t>
+            </a:r>
+            <a:r>
+              <a:rPr lang="hu-HU" dirty="0"/>
+              <a:t> </a:t>
+            </a:r>
+            <a:r>
+              <a:rPr lang="hu-HU" dirty="0" err="1"/>
+              <a:t>varchar</a:t>
+            </a:r>
+            <a:r>
+              <a:rPr lang="hu-HU" dirty="0"/>
+              <a:t>(100), IN </a:t>
+            </a:r>
+            <a:r>
+              <a:rPr lang="hu-HU" dirty="0" err="1"/>
+              <a:t>vasarlo_telefonszama_p</a:t>
+            </a:r>
+            <a:r>
+              <a:rPr lang="hu-HU" dirty="0"/>
+              <a:t> </a:t>
+            </a:r>
+            <a:r>
+              <a:rPr lang="hu-HU" dirty="0" err="1"/>
+              <a:t>varchar</a:t>
+            </a:r>
+            <a:r>
+              <a:rPr lang="hu-HU" dirty="0"/>
+              <a:t>(20), IN </a:t>
+            </a:r>
+            <a:r>
+              <a:rPr lang="hu-HU" dirty="0" err="1"/>
+              <a:t>szalitasi_cime_p</a:t>
+            </a:r>
+            <a:r>
+              <a:rPr lang="hu-HU" dirty="0"/>
+              <a:t> </a:t>
+            </a:r>
+            <a:r>
+              <a:rPr lang="hu-HU" dirty="0" err="1"/>
+              <a:t>varchar</a:t>
+            </a:r>
+            <a:r>
+              <a:rPr lang="hu-HU" dirty="0"/>
+              <a:t>(40), IN </a:t>
+            </a:r>
+            <a:r>
+              <a:rPr lang="hu-HU" dirty="0" err="1"/>
+              <a:t>megjegyzes_p</a:t>
+            </a:r>
+            <a:r>
+              <a:rPr lang="hu-HU" dirty="0"/>
+              <a:t> </a:t>
+            </a:r>
+            <a:r>
+              <a:rPr lang="hu-HU" dirty="0" err="1"/>
+              <a:t>varchar</a:t>
+            </a:r>
+            <a:r>
+              <a:rPr lang="hu-HU" dirty="0"/>
+              <a:t>(200), IN </a:t>
+            </a:r>
+            <a:r>
+              <a:rPr lang="hu-HU" dirty="0" err="1"/>
+              <a:t>szalito_id_p</a:t>
+            </a:r>
+            <a:r>
+              <a:rPr lang="hu-HU" dirty="0"/>
+              <a:t> </a:t>
+            </a:r>
+            <a:r>
+              <a:rPr lang="hu-HU" dirty="0" err="1"/>
+              <a:t>tinyint</a:t>
+            </a:r>
+            <a:r>
+              <a:rPr lang="hu-HU" dirty="0"/>
+              <a:t>, IN </a:t>
+            </a:r>
+            <a:r>
+              <a:rPr lang="hu-HU" dirty="0" err="1"/>
+              <a:t>fizetes_opcio_id_p</a:t>
+            </a:r>
+            <a:r>
+              <a:rPr lang="hu-HU" dirty="0"/>
+              <a:t> </a:t>
+            </a:r>
+            <a:r>
+              <a:rPr lang="hu-HU" dirty="0" err="1"/>
+              <a:t>tinyint</a:t>
+            </a:r>
+            <a:r>
+              <a:rPr lang="hu-HU" dirty="0"/>
+              <a:t>, IN </a:t>
+            </a:r>
+            <a:r>
+              <a:rPr lang="hu-HU" dirty="0" err="1"/>
+              <a:t>kedvezmeny_id_p</a:t>
+            </a:r>
+            <a:r>
+              <a:rPr lang="hu-HU" dirty="0"/>
+              <a:t> </a:t>
+            </a:r>
+            <a:r>
+              <a:rPr lang="hu-HU" dirty="0" err="1"/>
+              <a:t>tinyint</a:t>
+            </a:r>
+            <a:r>
+              <a:rPr lang="hu-HU" dirty="0"/>
+              <a:t>)</a:t>
+            </a:r>
+          </a:p>
+          <a:p>
+            <a:r>
+              <a:rPr lang="hu-HU" dirty="0"/>
+              <a:t>BEGIN</a:t>
+            </a:r>
+          </a:p>
+          <a:p>
+            <a:r>
+              <a:rPr lang="hu-HU" dirty="0"/>
+              <a:t>		DECLARE </a:t>
+            </a:r>
+            <a:r>
+              <a:rPr lang="hu-HU" dirty="0" err="1"/>
+              <a:t>felhasznalo_id_var</a:t>
+            </a:r>
+            <a:r>
+              <a:rPr lang="hu-HU" dirty="0"/>
+              <a:t> </a:t>
+            </a:r>
+            <a:r>
+              <a:rPr lang="hu-HU" dirty="0" err="1"/>
+              <a:t>mediumint</a:t>
+            </a:r>
+            <a:r>
+              <a:rPr lang="hu-HU" dirty="0"/>
+              <a:t>;</a:t>
+            </a:r>
+          </a:p>
+          <a:p>
+            <a:r>
+              <a:rPr lang="hu-HU" dirty="0"/>
+              <a:t>        </a:t>
+            </a:r>
+            <a:r>
+              <a:rPr lang="hu-HU" dirty="0" err="1"/>
+              <a:t>declare</a:t>
+            </a:r>
+            <a:r>
+              <a:rPr lang="hu-HU" dirty="0"/>
+              <a:t> </a:t>
+            </a:r>
+            <a:r>
+              <a:rPr lang="hu-HU" dirty="0" err="1"/>
+              <a:t>rendeles_id_var</a:t>
+            </a:r>
+            <a:r>
+              <a:rPr lang="hu-HU" dirty="0"/>
+              <a:t> </a:t>
+            </a:r>
+            <a:r>
+              <a:rPr lang="hu-HU" dirty="0" err="1"/>
+              <a:t>mediumint</a:t>
+            </a:r>
+            <a:r>
+              <a:rPr lang="hu-HU" dirty="0"/>
+              <a:t>;</a:t>
+            </a:r>
+          </a:p>
+          <a:p>
+            <a:r>
+              <a:rPr lang="hu-HU" dirty="0"/>
+              <a:t>    </a:t>
+            </a:r>
+          </a:p>
+          <a:p>
+            <a:r>
+              <a:rPr lang="hu-HU" dirty="0"/>
+              <a:t>		SELECT </a:t>
+            </a:r>
+            <a:r>
+              <a:rPr lang="hu-HU" dirty="0" err="1"/>
+              <a:t>Tokenek.felhasznalo_id</a:t>
+            </a:r>
+            <a:endParaRPr lang="hu-HU" dirty="0"/>
+          </a:p>
+          <a:p>
+            <a:r>
+              <a:rPr lang="hu-HU" dirty="0"/>
+              <a:t>		INTO </a:t>
+            </a:r>
+            <a:r>
+              <a:rPr lang="hu-HU" dirty="0" err="1"/>
+              <a:t>felhasznalo_id_var</a:t>
+            </a:r>
+            <a:endParaRPr lang="hu-HU" dirty="0"/>
+          </a:p>
+          <a:p>
+            <a:r>
+              <a:rPr lang="hu-HU" dirty="0"/>
+              <a:t>		FROM </a:t>
+            </a:r>
+            <a:r>
+              <a:rPr lang="hu-HU" dirty="0" err="1"/>
+              <a:t>Tokenek</a:t>
+            </a:r>
+            <a:endParaRPr lang="hu-HU" dirty="0"/>
+          </a:p>
+          <a:p>
+            <a:r>
+              <a:rPr lang="hu-HU" dirty="0"/>
+              <a:t>		WHERE </a:t>
+            </a:r>
+            <a:r>
+              <a:rPr lang="hu-HU" dirty="0" err="1"/>
+              <a:t>Tokenek.token</a:t>
+            </a:r>
+            <a:r>
+              <a:rPr lang="hu-HU" dirty="0"/>
+              <a:t> = </a:t>
+            </a:r>
+            <a:r>
+              <a:rPr lang="hu-HU" dirty="0" err="1"/>
+              <a:t>Token_p</a:t>
+            </a:r>
+            <a:r>
+              <a:rPr lang="hu-HU"/>
+              <a:t>;</a:t>
+            </a:r>
+          </a:p>
+          <a:p>
+            <a:r>
+              <a:rPr lang="hu-HU" dirty="0"/>
+              <a:t>		</a:t>
+            </a:r>
+          </a:p>
+          <a:p>
+            <a:r>
+              <a:rPr lang="hu-HU" dirty="0"/>
+              <a:t>		</a:t>
+            </a:r>
+            <a:r>
+              <a:rPr lang="hu-HU" dirty="0" err="1"/>
+              <a:t>if</a:t>
+            </a:r>
+            <a:r>
+              <a:rPr lang="hu-HU" dirty="0"/>
+              <a:t> </a:t>
+            </a:r>
+            <a:r>
+              <a:rPr lang="hu-HU" dirty="0" err="1"/>
+              <a:t>felhasznalo_id_var</a:t>
+            </a:r>
+            <a:r>
+              <a:rPr lang="hu-HU" dirty="0"/>
+              <a:t> is null</a:t>
+            </a:r>
+          </a:p>
+          <a:p>
+            <a:r>
+              <a:rPr lang="hu-HU" dirty="0"/>
+              <a:t>			</a:t>
+            </a:r>
+            <a:r>
+              <a:rPr lang="hu-HU" dirty="0" err="1"/>
+              <a:t>then</a:t>
+            </a:r>
+            <a:endParaRPr lang="hu-HU" dirty="0"/>
+          </a:p>
+          <a:p>
+            <a:r>
+              <a:rPr lang="hu-HU" dirty="0"/>
+              <a:t>				</a:t>
+            </a:r>
+            <a:r>
+              <a:rPr lang="hu-HU" dirty="0" err="1"/>
+              <a:t>select</a:t>
+            </a:r>
+            <a:r>
+              <a:rPr lang="hu-HU" dirty="0"/>
+              <a:t> </a:t>
+            </a:r>
+            <a:r>
+              <a:rPr lang="hu-HU" dirty="0" err="1"/>
+              <a:t>false</a:t>
+            </a:r>
+            <a:r>
+              <a:rPr lang="hu-HU" dirty="0"/>
+              <a:t> </a:t>
+            </a:r>
+            <a:r>
+              <a:rPr lang="hu-HU" dirty="0" err="1"/>
+              <a:t>as</a:t>
+            </a:r>
+            <a:r>
+              <a:rPr lang="hu-HU" dirty="0"/>
+              <a:t> </a:t>
+            </a:r>
+            <a:r>
+              <a:rPr lang="hu-HU" dirty="0" err="1"/>
+              <a:t>result</a:t>
+            </a:r>
+            <a:r>
+              <a:rPr lang="hu-HU" dirty="0"/>
+              <a:t>;</a:t>
+            </a:r>
+          </a:p>
+          <a:p>
+            <a:r>
+              <a:rPr lang="hu-HU" dirty="0"/>
+              <a:t>		</a:t>
+            </a:r>
+            <a:r>
+              <a:rPr lang="hu-HU" dirty="0" err="1"/>
+              <a:t>else</a:t>
+            </a:r>
+            <a:endParaRPr lang="hu-HU" dirty="0"/>
+          </a:p>
+          <a:p>
+            <a:r>
+              <a:rPr lang="hu-HU" dirty="0"/>
+              <a:t>			INSERT INTO </a:t>
+            </a:r>
+            <a:r>
+              <a:rPr lang="hu-HU" dirty="0" err="1"/>
+              <a:t>rendelesek</a:t>
+            </a:r>
+            <a:r>
+              <a:rPr lang="hu-HU" dirty="0"/>
+              <a:t> (</a:t>
+            </a:r>
+            <a:r>
+              <a:rPr lang="hu-HU" dirty="0" err="1"/>
+              <a:t>felhasznalo_id</a:t>
+            </a:r>
+            <a:r>
+              <a:rPr lang="hu-HU" dirty="0"/>
+              <a:t>, </a:t>
+            </a:r>
+            <a:r>
+              <a:rPr lang="hu-HU" dirty="0" err="1"/>
+              <a:t>megjegyzes</a:t>
+            </a:r>
+            <a:r>
+              <a:rPr lang="hu-HU" dirty="0"/>
+              <a:t>, </a:t>
+            </a:r>
+            <a:r>
+              <a:rPr lang="hu-HU" dirty="0" err="1"/>
+              <a:t>szalito_id</a:t>
+            </a:r>
+            <a:r>
+              <a:rPr lang="hu-HU" dirty="0"/>
+              <a:t>, </a:t>
+            </a:r>
+            <a:r>
+              <a:rPr lang="hu-HU" dirty="0" err="1"/>
+              <a:t>fizetes_opcio_id</a:t>
+            </a:r>
+            <a:r>
+              <a:rPr lang="hu-HU" dirty="0"/>
+              <a:t>, </a:t>
+            </a:r>
+            <a:r>
+              <a:rPr lang="hu-HU" dirty="0" err="1"/>
+              <a:t>kedvezmeny_id</a:t>
+            </a:r>
+            <a:r>
+              <a:rPr lang="hu-HU" dirty="0"/>
+              <a:t>)</a:t>
+            </a:r>
+          </a:p>
+          <a:p>
+            <a:r>
+              <a:rPr lang="hu-HU" dirty="0"/>
+              <a:t>			VALUES (</a:t>
+            </a:r>
+            <a:r>
+              <a:rPr lang="hu-HU" dirty="0" err="1"/>
+              <a:t>felhasznalo_id_var</a:t>
+            </a:r>
+            <a:r>
+              <a:rPr lang="hu-HU" dirty="0"/>
+              <a:t>, </a:t>
+            </a:r>
+            <a:r>
+              <a:rPr lang="hu-HU" dirty="0" err="1"/>
+              <a:t>megjegyzes_p</a:t>
+            </a:r>
+            <a:r>
+              <a:rPr lang="hu-HU" dirty="0"/>
+              <a:t>, </a:t>
+            </a:r>
+            <a:r>
+              <a:rPr lang="hu-HU" dirty="0" err="1"/>
+              <a:t>szalito_id_p</a:t>
+            </a:r>
+            <a:r>
+              <a:rPr lang="hu-HU" dirty="0"/>
+              <a:t>, </a:t>
+            </a:r>
+            <a:r>
+              <a:rPr lang="hu-HU" dirty="0" err="1"/>
+              <a:t>fizetes_opcio_id_p</a:t>
+            </a:r>
+            <a:r>
+              <a:rPr lang="hu-HU" dirty="0"/>
+              <a:t>, </a:t>
+            </a:r>
+            <a:r>
+              <a:rPr lang="hu-HU" dirty="0" err="1"/>
+              <a:t>kedvezmeny_id_p</a:t>
+            </a:r>
+            <a:r>
+              <a:rPr lang="hu-HU" dirty="0"/>
+              <a:t>);</a:t>
+            </a:r>
+          </a:p>
+          <a:p>
+            <a:r>
+              <a:rPr lang="hu-HU" dirty="0"/>
+              <a:t>            </a:t>
+            </a:r>
+          </a:p>
+          <a:p>
+            <a:r>
+              <a:rPr lang="hu-HU" dirty="0"/>
+              <a:t>            </a:t>
+            </a:r>
+            <a:r>
+              <a:rPr lang="hu-HU" dirty="0" err="1"/>
+              <a:t>select</a:t>
+            </a:r>
+            <a:r>
+              <a:rPr lang="hu-HU" dirty="0"/>
+              <a:t> </a:t>
+            </a:r>
+            <a:r>
+              <a:rPr lang="hu-HU" dirty="0" err="1"/>
+              <a:t>rendelesek.rendeles_id</a:t>
+            </a:r>
+            <a:endParaRPr lang="hu-HU" dirty="0"/>
+          </a:p>
+          <a:p>
+            <a:r>
+              <a:rPr lang="hu-HU" dirty="0"/>
+              <a:t>            </a:t>
+            </a:r>
+            <a:r>
+              <a:rPr lang="hu-HU" dirty="0" err="1"/>
+              <a:t>into</a:t>
+            </a:r>
+            <a:r>
+              <a:rPr lang="hu-HU" dirty="0"/>
+              <a:t> </a:t>
+            </a:r>
+            <a:r>
+              <a:rPr lang="hu-HU" dirty="0" err="1"/>
+              <a:t>rendeles_id_var</a:t>
+            </a:r>
+            <a:endParaRPr lang="hu-HU" dirty="0"/>
+          </a:p>
+          <a:p>
+            <a:r>
+              <a:rPr lang="hu-HU" dirty="0"/>
+              <a:t>            </a:t>
+            </a:r>
+            <a:r>
+              <a:rPr lang="hu-HU" dirty="0" err="1"/>
+              <a:t>from</a:t>
+            </a:r>
+            <a:r>
+              <a:rPr lang="hu-HU" dirty="0"/>
+              <a:t> </a:t>
+            </a:r>
+            <a:r>
+              <a:rPr lang="hu-HU" dirty="0" err="1"/>
+              <a:t>rendelesek</a:t>
+            </a:r>
+            <a:r>
+              <a:rPr lang="hu-HU" dirty="0"/>
+              <a:t> </a:t>
+            </a:r>
+            <a:r>
+              <a:rPr lang="hu-HU" dirty="0" err="1"/>
+              <a:t>order</a:t>
+            </a:r>
+            <a:r>
+              <a:rPr lang="hu-HU" dirty="0"/>
+              <a:t> </a:t>
+            </a:r>
+            <a:r>
+              <a:rPr lang="hu-HU" dirty="0" err="1"/>
+              <a:t>by</a:t>
+            </a:r>
+            <a:r>
+              <a:rPr lang="hu-HU" dirty="0"/>
+              <a:t> </a:t>
+            </a:r>
+            <a:r>
+              <a:rPr lang="hu-HU" dirty="0" err="1"/>
+              <a:t>rendeles_id</a:t>
+            </a:r>
+            <a:r>
+              <a:rPr lang="hu-HU" dirty="0"/>
+              <a:t> </a:t>
+            </a:r>
+            <a:r>
+              <a:rPr lang="hu-HU" dirty="0" err="1"/>
+              <a:t>desc</a:t>
+            </a:r>
+            <a:r>
+              <a:rPr lang="hu-HU" dirty="0"/>
+              <a:t> limit 1;</a:t>
+            </a:r>
+          </a:p>
+          <a:p>
+            <a:r>
+              <a:rPr lang="hu-HU" dirty="0"/>
+              <a:t>            </a:t>
+            </a:r>
+          </a:p>
+          <a:p>
+            <a:r>
+              <a:rPr lang="hu-HU" dirty="0"/>
+              <a:t>            INSERT INTO </a:t>
+            </a:r>
+            <a:r>
+              <a:rPr lang="hu-HU" dirty="0" err="1"/>
+              <a:t>rendelt_termekek</a:t>
+            </a:r>
+            <a:r>
+              <a:rPr lang="hu-HU" dirty="0"/>
+              <a:t> (</a:t>
+            </a:r>
+            <a:r>
+              <a:rPr lang="hu-HU" dirty="0" err="1"/>
+              <a:t>rendeles_id</a:t>
+            </a:r>
+            <a:r>
+              <a:rPr lang="hu-HU" dirty="0"/>
+              <a:t>, </a:t>
+            </a:r>
+            <a:r>
+              <a:rPr lang="hu-HU" dirty="0" err="1"/>
+              <a:t>termek_id</a:t>
+            </a:r>
+            <a:r>
+              <a:rPr lang="hu-HU" dirty="0"/>
+              <a:t>, darabszam)</a:t>
+            </a:r>
+          </a:p>
+          <a:p>
+            <a:r>
+              <a:rPr lang="hu-HU" dirty="0"/>
+              <a:t>			SELECT </a:t>
+            </a:r>
+            <a:r>
+              <a:rPr lang="hu-HU" dirty="0" err="1"/>
+              <a:t>rendeles_id_var</a:t>
+            </a:r>
+            <a:r>
+              <a:rPr lang="hu-HU" dirty="0"/>
+              <a:t>, </a:t>
+            </a:r>
+            <a:r>
+              <a:rPr lang="hu-HU" dirty="0" err="1"/>
+              <a:t>termekek_id</a:t>
+            </a:r>
+            <a:r>
+              <a:rPr lang="hu-HU" dirty="0"/>
+              <a:t>, darabszam</a:t>
+            </a:r>
+          </a:p>
+          <a:p>
+            <a:r>
+              <a:rPr lang="hu-HU" dirty="0"/>
+              <a:t>			FROM </a:t>
+            </a:r>
+            <a:r>
+              <a:rPr lang="hu-HU" dirty="0" err="1"/>
+              <a:t>kosarazot_termekek</a:t>
+            </a:r>
+            <a:endParaRPr lang="hu-HU" dirty="0"/>
+          </a:p>
+          <a:p>
+            <a:r>
+              <a:rPr lang="hu-HU" dirty="0"/>
+              <a:t>			WHERE </a:t>
+            </a:r>
+            <a:r>
+              <a:rPr lang="hu-HU" dirty="0" err="1"/>
+              <a:t>felhasznalo_id</a:t>
+            </a:r>
+            <a:r>
+              <a:rPr lang="hu-HU" dirty="0"/>
+              <a:t> = </a:t>
+            </a:r>
+            <a:r>
+              <a:rPr lang="hu-HU" dirty="0" err="1"/>
+              <a:t>felhasznalo_id_var</a:t>
+            </a:r>
+            <a:r>
+              <a:rPr lang="hu-HU" dirty="0"/>
+              <a:t>;</a:t>
+            </a:r>
+          </a:p>
+          <a:p>
+            <a:r>
+              <a:rPr lang="hu-HU" dirty="0"/>
+              <a:t>			</a:t>
+            </a:r>
+          </a:p>
+          <a:p>
+            <a:r>
+              <a:rPr lang="hu-HU" dirty="0"/>
+              <a:t>            UPDATE </a:t>
+            </a:r>
+            <a:r>
+              <a:rPr lang="hu-HU" dirty="0" err="1"/>
+              <a:t>felhasznalok</a:t>
+            </a:r>
+            <a:endParaRPr lang="hu-HU" dirty="0"/>
+          </a:p>
+          <a:p>
+            <a:r>
+              <a:rPr lang="hu-HU" dirty="0"/>
+              <a:t>			SET </a:t>
+            </a:r>
+            <a:r>
+              <a:rPr lang="hu-HU" dirty="0" err="1"/>
+              <a:t>felhasznalok.vasarlo_telefonszama</a:t>
+            </a:r>
+            <a:r>
+              <a:rPr lang="hu-HU" dirty="0"/>
+              <a:t> = </a:t>
+            </a:r>
+            <a:r>
+              <a:rPr lang="hu-HU" dirty="0" err="1"/>
+              <a:t>vasarlo_telefonszama_p</a:t>
+            </a:r>
+            <a:r>
+              <a:rPr lang="hu-HU" dirty="0"/>
+              <a:t>, </a:t>
+            </a:r>
+            <a:r>
+              <a:rPr lang="hu-HU" dirty="0" err="1"/>
+              <a:t>felhasznalok.szalitasi_cime</a:t>
+            </a:r>
+            <a:r>
+              <a:rPr lang="hu-HU" dirty="0"/>
+              <a:t> = </a:t>
+            </a:r>
+            <a:r>
+              <a:rPr lang="hu-HU" dirty="0" err="1"/>
+              <a:t>szalitasi_cime_p</a:t>
+            </a:r>
+            <a:endParaRPr lang="hu-HU" dirty="0"/>
+          </a:p>
+          <a:p>
+            <a:r>
+              <a:rPr lang="hu-HU" dirty="0"/>
+              <a:t>			WHERE </a:t>
+            </a:r>
+            <a:r>
+              <a:rPr lang="hu-HU" dirty="0" err="1"/>
+              <a:t>felhasznalok.felhasznalo_id</a:t>
+            </a:r>
+            <a:r>
+              <a:rPr lang="hu-HU" dirty="0"/>
+              <a:t> = </a:t>
+            </a:r>
+            <a:r>
+              <a:rPr lang="hu-HU" dirty="0" err="1"/>
+              <a:t>felhasznalo_id_var</a:t>
+            </a:r>
+            <a:r>
+              <a:rPr lang="hu-HU" dirty="0"/>
+              <a:t>;</a:t>
+            </a:r>
+          </a:p>
+          <a:p>
+            <a:r>
+              <a:rPr lang="hu-HU" dirty="0"/>
+              <a:t>        end </a:t>
+            </a:r>
+            <a:r>
+              <a:rPr lang="hu-HU" dirty="0" err="1"/>
+              <a:t>if</a:t>
+            </a:r>
+            <a:r>
+              <a:rPr lang="hu-HU" dirty="0"/>
+              <a:t>;</a:t>
+            </a:r>
+          </a:p>
+          <a:p>
+            <a:r>
+              <a:rPr lang="hu-HU" dirty="0"/>
+              <a:t>        </a:t>
+            </a:r>
+            <a:r>
+              <a:rPr lang="hu-HU" dirty="0" err="1"/>
+              <a:t>select</a:t>
+            </a:r>
+            <a:r>
+              <a:rPr lang="hu-HU" dirty="0"/>
+              <a:t> *, </a:t>
+            </a:r>
+            <a:r>
+              <a:rPr lang="hu-HU" dirty="0" err="1"/>
+              <a:t>true</a:t>
+            </a:r>
+            <a:r>
+              <a:rPr lang="hu-HU" dirty="0"/>
+              <a:t> </a:t>
+            </a:r>
+            <a:r>
+              <a:rPr lang="hu-HU" dirty="0" err="1"/>
+              <a:t>as</a:t>
+            </a:r>
+            <a:r>
+              <a:rPr lang="hu-HU" dirty="0"/>
+              <a:t> </a:t>
+            </a:r>
+            <a:r>
+              <a:rPr lang="hu-HU" dirty="0" err="1"/>
+              <a:t>result</a:t>
+            </a:r>
+            <a:r>
+              <a:rPr lang="hu-HU" dirty="0"/>
+              <a:t> </a:t>
+            </a:r>
+            <a:r>
+              <a:rPr lang="hu-HU" dirty="0" err="1"/>
+              <a:t>from</a:t>
+            </a:r>
+            <a:r>
+              <a:rPr lang="hu-HU" dirty="0"/>
+              <a:t> </a:t>
+            </a:r>
+            <a:r>
+              <a:rPr lang="hu-HU" dirty="0" err="1"/>
+              <a:t>rendelesek</a:t>
+            </a:r>
+            <a:r>
+              <a:rPr lang="hu-HU" dirty="0"/>
+              <a:t> </a:t>
+            </a:r>
+            <a:r>
+              <a:rPr lang="hu-HU" dirty="0" err="1"/>
+              <a:t>where</a:t>
+            </a:r>
+            <a:r>
+              <a:rPr lang="hu-HU" dirty="0"/>
+              <a:t> </a:t>
+            </a:r>
+            <a:r>
+              <a:rPr lang="hu-HU" dirty="0" err="1"/>
+              <a:t>rendelesek.felhasznalo_id</a:t>
+            </a:r>
+            <a:r>
+              <a:rPr lang="hu-HU" dirty="0"/>
+              <a:t> = </a:t>
+            </a:r>
+            <a:r>
+              <a:rPr lang="hu-HU" dirty="0" err="1"/>
+              <a:t>felhasznalo_id_var</a:t>
+            </a:r>
+            <a:r>
+              <a:rPr lang="hu-HU" dirty="0"/>
+              <a:t> </a:t>
+            </a:r>
+            <a:r>
+              <a:rPr lang="hu-HU" dirty="0" err="1"/>
+              <a:t>order</a:t>
+            </a:r>
+            <a:r>
+              <a:rPr lang="hu-HU" dirty="0"/>
+              <a:t> </a:t>
+            </a:r>
+            <a:r>
+              <a:rPr lang="hu-HU" dirty="0" err="1"/>
+              <a:t>by</a:t>
+            </a:r>
+            <a:r>
+              <a:rPr lang="hu-HU" dirty="0"/>
+              <a:t> </a:t>
+            </a:r>
+            <a:r>
+              <a:rPr lang="hu-HU" dirty="0" err="1"/>
+              <a:t>rendeles_id</a:t>
+            </a:r>
+            <a:r>
+              <a:rPr lang="hu-HU" dirty="0"/>
+              <a:t> </a:t>
+            </a:r>
+            <a:r>
+              <a:rPr lang="hu-HU" dirty="0" err="1"/>
+              <a:t>desc</a:t>
+            </a:r>
+            <a:r>
+              <a:rPr lang="hu-HU" dirty="0"/>
+              <a:t> limit 1;</a:t>
+            </a:r>
+          </a:p>
+          <a:p>
+            <a:r>
+              <a:rPr lang="hu-HU" dirty="0"/>
+              <a:t>END $$</a:t>
+            </a:r>
+          </a:p>
+          <a:p>
+            <a:r>
+              <a:rPr lang="hu-HU" dirty="0"/>
+              <a:t>DELIMITER ;</a:t>
             </a:r>
           </a:p>
         </p:txBody>
@@ -4452,7 +5343,7 @@
     </p:spTree>
     <p:extLst>
       <p:ext uri="{BB962C8B-B14F-4D97-AF65-F5344CB8AC3E}">
-        <p14:creationId xmlns:p14="http://schemas.microsoft.com/office/powerpoint/2010/main" val="2010203691"/>
+        <p14:creationId xmlns:p14="http://schemas.microsoft.com/office/powerpoint/2010/main" val="4208336440"/>
       </p:ext>
     </p:extLst>
   </p:cSld>
@@ -4713,96 +5604,27 @@
         </p:nvSpPr>
         <p:spPr>
           <a:xfrm>
-            <a:off x="838200" y="365126"/>
-            <a:ext cx="10515600" cy="907084"/>
+            <a:off x="591378" y="3030123"/>
+            <a:ext cx="11009243" cy="797753"/>
           </a:xfrm>
         </p:spPr>
         <p:txBody>
-          <a:bodyPr/>
-          <a:lstStyle/>
-          <a:p>
-            <a:r>
-              <a:rPr lang="hu-HU" dirty="0"/>
-              <a:t>Kedvezmények</a:t>
-            </a:r>
-          </a:p>
-        </p:txBody>
-      </p:sp>
-      <p:sp>
-        <p:nvSpPr>
-          <p:cNvPr id="3" name="Tartalom helye 2">
-            <a:extLst>
-              <a:ext uri="{FF2B5EF4-FFF2-40B4-BE49-F238E27FC236}">
-                <a16:creationId xmlns:a16="http://schemas.microsoft.com/office/drawing/2014/main" id="{4B0FB415-6D74-5F27-4B1E-BD0E71F2E838}"/>
-              </a:ext>
-            </a:extLst>
-          </p:cNvPr>
-          <p:cNvSpPr>
-            <a:spLocks noGrp="1"/>
-          </p:cNvSpPr>
-          <p:nvPr>
-            <p:ph idx="1"/>
-          </p:nvPr>
-        </p:nvSpPr>
-        <p:spPr>
-          <a:xfrm>
-            <a:off x="838199" y="1825625"/>
-            <a:ext cx="5135218" cy="2289175"/>
-          </a:xfrm>
-        </p:spPr>
-        <p:txBody>
           <a:bodyPr>
-            <a:normAutofit fontScale="92500" lnSpcReduction="20000"/>
+            <a:noAutofit/>
           </a:bodyPr>
           <a:lstStyle/>
           <a:p>
             <a:r>
-              <a:rPr lang="hu-HU" dirty="0"/>
-              <a:t>A kedvezmények jelenleg nem funkcionálnak 100%-an</a:t>
-            </a:r>
-          </a:p>
-          <a:p>
-            <a:r>
-              <a:rPr lang="hu-HU" dirty="0"/>
-              <a:t>Egyetlen kedvezmény van és működik a „Nincs kedvezmény” ugyanis a rendeléshez kötelezően meg kell adni valami fajta kedvezményt </a:t>
-            </a:r>
-          </a:p>
-        </p:txBody>
-      </p:sp>
-      <p:pic>
-        <p:nvPicPr>
-          <p:cNvPr id="5" name="Kép 4">
-            <a:extLst>
-              <a:ext uri="{FF2B5EF4-FFF2-40B4-BE49-F238E27FC236}">
-                <a16:creationId xmlns:a16="http://schemas.microsoft.com/office/drawing/2014/main" id="{93030F31-B133-D33E-F2ED-8D7B4A1D6FAF}"/>
-              </a:ext>
-            </a:extLst>
-          </p:cNvPr>
-          <p:cNvPicPr>
-            <a:picLocks noChangeAspect="1"/>
-          </p:cNvPicPr>
-          <p:nvPr/>
-        </p:nvPicPr>
-        <p:blipFill>
-          <a:blip r:embed="rId2"/>
-          <a:stretch>
-            <a:fillRect/>
-          </a:stretch>
-        </p:blipFill>
-        <p:spPr>
-          <a:xfrm>
-            <a:off x="6910595" y="2070651"/>
-            <a:ext cx="4260988" cy="3723889"/>
-          </a:xfrm>
-          <a:prstGeom prst="rect">
-            <a:avLst/>
-          </a:prstGeom>
-        </p:spPr>
-      </p:pic>
+              <a:rPr lang="hu-HU" sz="8800" dirty="0"/>
+              <a:t>Továbbfejlesztési célok </a:t>
+            </a:r>
+          </a:p>
+        </p:txBody>
+      </p:sp>
     </p:spTree>
     <p:extLst>
       <p:ext uri="{BB962C8B-B14F-4D97-AF65-F5344CB8AC3E}">
-        <p14:creationId xmlns:p14="http://schemas.microsoft.com/office/powerpoint/2010/main" val="3822024094"/>
+        <p14:creationId xmlns:p14="http://schemas.microsoft.com/office/powerpoint/2010/main" val="2010203691"/>
       </p:ext>
     </p:extLst>
   </p:cSld>
@@ -4855,38 +5677,10 @@
             <p:ph type="title"/>
           </p:nvPr>
         </p:nvSpPr>
-        <p:spPr/>
-        <p:txBody>
-          <a:bodyPr/>
-          <a:lstStyle/>
-          <a:p>
-            <a:r>
-              <a:rPr lang="hu-HU" dirty="0"/>
-              <a:t>Árváltozások</a:t>
-            </a:r>
-          </a:p>
-        </p:txBody>
-      </p:sp>
-      <p:sp>
-        <p:nvSpPr>
-          <p:cNvPr id="3" name="Tartalom helye 2">
-            <a:extLst>
-              <a:ext uri="{FF2B5EF4-FFF2-40B4-BE49-F238E27FC236}">
-                <a16:creationId xmlns:a16="http://schemas.microsoft.com/office/drawing/2014/main" id="{4B0FB415-6D74-5F27-4B1E-BD0E71F2E838}"/>
-              </a:ext>
-            </a:extLst>
-          </p:cNvPr>
-          <p:cNvSpPr>
-            <a:spLocks noGrp="1"/>
-          </p:cNvSpPr>
-          <p:nvPr>
-            <p:ph idx="1"/>
-          </p:nvPr>
-        </p:nvSpPr>
         <p:spPr>
           <a:xfrm>
-            <a:off x="838200" y="1825625"/>
-            <a:ext cx="5257800" cy="2289175"/>
+            <a:off x="838200" y="365126"/>
+            <a:ext cx="10515600" cy="907084"/>
           </a:xfrm>
         </p:spPr>
         <p:txBody>
@@ -4895,13 +5689,48 @@
           <a:p>
             <a:r>
               <a:rPr lang="hu-HU" dirty="0"/>
-              <a:t>A termékek árváltozását ebben a táblában lehet rögzíteni</a:t>
-            </a:r>
-          </a:p>
-          <a:p>
-            <a:r>
-              <a:rPr lang="hu-HU" dirty="0"/>
-              <a:t>Jelen pillanatban egyáltalán nem funkcionál </a:t>
+              <a:t>Kedvezmények</a:t>
+            </a:r>
+          </a:p>
+        </p:txBody>
+      </p:sp>
+      <p:sp>
+        <p:nvSpPr>
+          <p:cNvPr id="3" name="Tartalom helye 2">
+            <a:extLst>
+              <a:ext uri="{FF2B5EF4-FFF2-40B4-BE49-F238E27FC236}">
+                <a16:creationId xmlns:a16="http://schemas.microsoft.com/office/drawing/2014/main" id="{4B0FB415-6D74-5F27-4B1E-BD0E71F2E838}"/>
+              </a:ext>
+            </a:extLst>
+          </p:cNvPr>
+          <p:cNvSpPr>
+            <a:spLocks noGrp="1"/>
+          </p:cNvSpPr>
+          <p:nvPr>
+            <p:ph idx="1"/>
+          </p:nvPr>
+        </p:nvSpPr>
+        <p:spPr>
+          <a:xfrm>
+            <a:off x="838199" y="1825625"/>
+            <a:ext cx="5135218" cy="2289175"/>
+          </a:xfrm>
+        </p:spPr>
+        <p:txBody>
+          <a:bodyPr>
+            <a:normAutofit fontScale="92500" lnSpcReduction="20000"/>
+          </a:bodyPr>
+          <a:lstStyle/>
+          <a:p>
+            <a:r>
+              <a:rPr lang="hu-HU" dirty="0"/>
+              <a:t>A kedvezmények jelenleg nem funkcionálnak 100%-an</a:t>
+            </a:r>
+          </a:p>
+          <a:p>
+            <a:r>
+              <a:rPr lang="hu-HU" dirty="0"/>
+              <a:t>Egyetlen kedvezmény van és működik a „Nincs kedvezmény” ugyanis a rendeléshez kötelezően meg kell adni valami fajta kedvezményt </a:t>
             </a:r>
           </a:p>
         </p:txBody>
@@ -4911,7 +5740,7 @@
           <p:cNvPr id="5" name="Kép 4">
             <a:extLst>
               <a:ext uri="{FF2B5EF4-FFF2-40B4-BE49-F238E27FC236}">
-                <a16:creationId xmlns:a16="http://schemas.microsoft.com/office/drawing/2014/main" id="{B2B1E22C-424D-642B-B67A-91D542EF2EA1}"/>
+                <a16:creationId xmlns:a16="http://schemas.microsoft.com/office/drawing/2014/main" id="{93030F31-B133-D33E-F2ED-8D7B4A1D6FAF}"/>
               </a:ext>
             </a:extLst>
           </p:cNvPr>
@@ -4928,8 +5757,8 @@
         </p:blipFill>
         <p:spPr>
           <a:xfrm>
-            <a:off x="7498481" y="1455807"/>
-            <a:ext cx="3358362" cy="3402358"/>
+            <a:off x="6910595" y="2070651"/>
+            <a:ext cx="4260988" cy="3723889"/>
           </a:xfrm>
           <a:prstGeom prst="rect">
             <a:avLst/>
@@ -4939,7 +5768,7 @@
     </p:spTree>
     <p:extLst>
       <p:ext uri="{BB962C8B-B14F-4D97-AF65-F5344CB8AC3E}">
-        <p14:creationId xmlns:p14="http://schemas.microsoft.com/office/powerpoint/2010/main" val="939209389"/>
+        <p14:creationId xmlns:p14="http://schemas.microsoft.com/office/powerpoint/2010/main" val="3822024094"/>
       </p:ext>
     </p:extLst>
   </p:cSld>
@@ -4978,74 +5807,105 @@
       </p:grpSpPr>
       <p:sp>
         <p:nvSpPr>
-          <p:cNvPr id="4" name="Cím 1">
-            <a:extLst>
-              <a:ext uri="{FF2B5EF4-FFF2-40B4-BE49-F238E27FC236}">
-                <a16:creationId xmlns:a16="http://schemas.microsoft.com/office/drawing/2014/main" id="{C9A428D6-7430-0115-EC5A-6504B8488B48}"/>
-              </a:ext>
-            </a:extLst>
-          </p:cNvPr>
-          <p:cNvSpPr txBox="1">
-            <a:spLocks/>
-          </p:cNvSpPr>
-          <p:nvPr/>
+          <p:cNvPr id="2" name="Cím 1">
+            <a:extLst>
+              <a:ext uri="{FF2B5EF4-FFF2-40B4-BE49-F238E27FC236}">
+                <a16:creationId xmlns:a16="http://schemas.microsoft.com/office/drawing/2014/main" id="{13615276-B683-0FEF-4C21-319328B94E33}"/>
+              </a:ext>
+            </a:extLst>
+          </p:cNvPr>
+          <p:cNvSpPr>
+            <a:spLocks noGrp="1"/>
+          </p:cNvSpPr>
+          <p:nvPr>
+            <p:ph type="title"/>
+          </p:nvPr>
+        </p:nvSpPr>
+        <p:spPr/>
+        <p:txBody>
+          <a:bodyPr/>
+          <a:lstStyle/>
+          <a:p>
+            <a:r>
+              <a:rPr lang="hu-HU" dirty="0"/>
+              <a:t>Árváltozások</a:t>
+            </a:r>
+          </a:p>
+        </p:txBody>
+      </p:sp>
+      <p:sp>
+        <p:nvSpPr>
+          <p:cNvPr id="3" name="Tartalom helye 2">
+            <a:extLst>
+              <a:ext uri="{FF2B5EF4-FFF2-40B4-BE49-F238E27FC236}">
+                <a16:creationId xmlns:a16="http://schemas.microsoft.com/office/drawing/2014/main" id="{4B0FB415-6D74-5F27-4B1E-BD0E71F2E838}"/>
+              </a:ext>
+            </a:extLst>
+          </p:cNvPr>
+          <p:cNvSpPr>
+            <a:spLocks noGrp="1"/>
+          </p:cNvSpPr>
+          <p:nvPr>
+            <p:ph idx="1"/>
+          </p:nvPr>
         </p:nvSpPr>
         <p:spPr>
           <a:xfrm>
-            <a:off x="3189311" y="2424595"/>
-            <a:ext cx="5813377" cy="2008809"/>
+            <a:off x="838200" y="1825625"/>
+            <a:ext cx="5257800" cy="2289175"/>
+          </a:xfrm>
+        </p:spPr>
+        <p:txBody>
+          <a:bodyPr/>
+          <a:lstStyle/>
+          <a:p>
+            <a:r>
+              <a:rPr lang="hu-HU" dirty="0"/>
+              <a:t>A termékek árváltozását ebben a táblában lehet rögzíteni</a:t>
+            </a:r>
+          </a:p>
+          <a:p>
+            <a:r>
+              <a:rPr lang="hu-HU" dirty="0"/>
+              <a:t>Jelen pillanatban egyáltalán nem funkcionál </a:t>
+            </a:r>
+          </a:p>
+        </p:txBody>
+      </p:sp>
+      <p:pic>
+        <p:nvPicPr>
+          <p:cNvPr id="5" name="Kép 4">
+            <a:extLst>
+              <a:ext uri="{FF2B5EF4-FFF2-40B4-BE49-F238E27FC236}">
+                <a16:creationId xmlns:a16="http://schemas.microsoft.com/office/drawing/2014/main" id="{B2B1E22C-424D-642B-B67A-91D542EF2EA1}"/>
+              </a:ext>
+            </a:extLst>
+          </p:cNvPr>
+          <p:cNvPicPr>
+            <a:picLocks noChangeAspect="1"/>
+          </p:cNvPicPr>
+          <p:nvPr/>
+        </p:nvPicPr>
+        <p:blipFill>
+          <a:blip r:embed="rId2"/>
+          <a:stretch>
+            <a:fillRect/>
+          </a:stretch>
+        </p:blipFill>
+        <p:spPr>
+          <a:xfrm>
+            <a:off x="7498481" y="1455807"/>
+            <a:ext cx="3358362" cy="3402358"/>
           </a:xfrm>
           <a:prstGeom prst="rect">
             <a:avLst/>
           </a:prstGeom>
         </p:spPr>
-        <p:txBody>
-          <a:bodyPr vert="horz" lIns="91440" tIns="45720" rIns="91440" bIns="45720" rtlCol="0" anchor="ctr">
-            <a:normAutofit/>
-          </a:bodyPr>
-          <a:lstStyle>
-            <a:lvl1pPr algn="l" defTabSz="914400" rtl="0" eaLnBrk="1" latinLnBrk="0" hangingPunct="1">
-              <a:lnSpc>
-                <a:spcPct val="90000"/>
-              </a:lnSpc>
-              <a:spcBef>
-                <a:spcPct val="0"/>
-              </a:spcBef>
-              <a:buNone/>
-              <a:defRPr sz="4400" kern="1200">
-                <a:solidFill>
-                  <a:schemeClr val="tx1"/>
-                </a:solidFill>
-                <a:latin typeface="+mj-lt"/>
-                <a:ea typeface="+mj-ea"/>
-                <a:cs typeface="+mj-cs"/>
-              </a:defRPr>
-            </a:lvl1pPr>
-          </a:lstStyle>
-          <a:p>
-            <a:r>
-              <a:rPr lang="hu-HU" sz="12000" dirty="0">
-                <a:solidFill>
-                  <a:schemeClr val="bg1"/>
-                </a:solidFill>
-              </a:rPr>
-              <a:t>DESK</a:t>
-            </a:r>
-            <a:r>
-              <a:rPr lang="hu-HU" sz="12000" dirty="0">
-                <a:solidFill>
-                  <a:schemeClr val="accent2"/>
-                </a:solidFill>
-              </a:rPr>
-              <a:t>TOP</a:t>
-            </a:r>
-          </a:p>
-        </p:txBody>
-      </p:sp>
+      </p:pic>
     </p:spTree>
     <p:extLst>
       <p:ext uri="{BB962C8B-B14F-4D97-AF65-F5344CB8AC3E}">
-        <p14:creationId xmlns:p14="http://schemas.microsoft.com/office/powerpoint/2010/main" val="1491385845"/>
+        <p14:creationId xmlns:p14="http://schemas.microsoft.com/office/powerpoint/2010/main" val="939209389"/>
       </p:ext>
     </p:extLst>
   </p:cSld>
@@ -5084,71 +5944,74 @@
       </p:grpSpPr>
       <p:sp>
         <p:nvSpPr>
-          <p:cNvPr id="2" name="Cím 1">
-            <a:extLst>
-              <a:ext uri="{FF2B5EF4-FFF2-40B4-BE49-F238E27FC236}">
-                <a16:creationId xmlns:a16="http://schemas.microsoft.com/office/drawing/2014/main" id="{13615276-B683-0FEF-4C21-319328B94E33}"/>
-              </a:ext>
-            </a:extLst>
-          </p:cNvPr>
-          <p:cNvSpPr>
-            <a:spLocks noGrp="1"/>
-          </p:cNvSpPr>
-          <p:nvPr>
-            <p:ph type="title"/>
-          </p:nvPr>
-        </p:nvSpPr>
-        <p:spPr/>
-        <p:txBody>
-          <a:bodyPr/>
-          <a:lstStyle/>
-          <a:p>
-            <a:r>
-              <a:rPr lang="hu-HU" dirty="0"/>
-              <a:t>UML ábra</a:t>
-            </a:r>
-          </a:p>
-        </p:txBody>
-      </p:sp>
-      <p:pic>
-        <p:nvPicPr>
-          <p:cNvPr id="5" name="Tartalom helye 4">
-            <a:extLst>
-              <a:ext uri="{FF2B5EF4-FFF2-40B4-BE49-F238E27FC236}">
-                <a16:creationId xmlns:a16="http://schemas.microsoft.com/office/drawing/2014/main" id="{C1539894-F76A-43DE-B46E-B9FD767DF9FF}"/>
-              </a:ext>
-            </a:extLst>
-          </p:cNvPr>
-          <p:cNvPicPr>
-            <a:picLocks noGrp="1" noChangeAspect="1"/>
-          </p:cNvPicPr>
-          <p:nvPr>
-            <p:ph idx="1"/>
-          </p:nvPr>
-        </p:nvPicPr>
-        <p:blipFill>
-          <a:blip r:embed="rId2">
-            <a:extLst>
-              <a:ext uri="{28A0092B-C50C-407E-A947-70E740481C1C}">
-                <a14:useLocalDpi xmlns:a14="http://schemas.microsoft.com/office/drawing/2010/main" val="0"/>
-              </a:ext>
-            </a:extLst>
-          </a:blip>
-          <a:stretch>
-            <a:fillRect/>
-          </a:stretch>
-        </p:blipFill>
+          <p:cNvPr id="4" name="Cím 1">
+            <a:extLst>
+              <a:ext uri="{FF2B5EF4-FFF2-40B4-BE49-F238E27FC236}">
+                <a16:creationId xmlns:a16="http://schemas.microsoft.com/office/drawing/2014/main" id="{C9A428D6-7430-0115-EC5A-6504B8488B48}"/>
+              </a:ext>
+            </a:extLst>
+          </p:cNvPr>
+          <p:cNvSpPr txBox="1">
+            <a:spLocks/>
+          </p:cNvSpPr>
+          <p:nvPr/>
+        </p:nvSpPr>
         <p:spPr>
           <a:xfrm>
-            <a:off x="838199" y="1406117"/>
-            <a:ext cx="10515599" cy="4969628"/>
+            <a:off x="3189311" y="2424595"/>
+            <a:ext cx="5813377" cy="2008809"/>
           </a:xfrm>
+          <a:prstGeom prst="rect">
+            <a:avLst/>
+          </a:prstGeom>
         </p:spPr>
-      </p:pic>
+        <p:txBody>
+          <a:bodyPr vert="horz" lIns="91440" tIns="45720" rIns="91440" bIns="45720" rtlCol="0" anchor="ctr">
+            <a:normAutofit/>
+          </a:bodyPr>
+          <a:lstStyle>
+            <a:lvl1pPr algn="l" defTabSz="914400" rtl="0" eaLnBrk="1" latinLnBrk="0" hangingPunct="1">
+              <a:lnSpc>
+                <a:spcPct val="90000"/>
+              </a:lnSpc>
+              <a:spcBef>
+                <a:spcPct val="0"/>
+              </a:spcBef>
+              <a:buNone/>
+              <a:defRPr sz="4400" kern="1200">
+                <a:solidFill>
+                  <a:schemeClr val="tx1"/>
+                </a:solidFill>
+                <a:latin typeface="+mj-lt"/>
+                <a:ea typeface="+mj-ea"/>
+                <a:cs typeface="+mj-cs"/>
+              </a:defRPr>
+            </a:lvl1pPr>
+          </a:lstStyle>
+          <a:p>
+            <a:r>
+              <a:rPr lang="hu-HU" sz="12000" dirty="0">
+                <a:solidFill>
+                  <a:schemeClr val="bg1"/>
+                </a:solidFill>
+              </a:rPr>
+              <a:t>DESK</a:t>
+            </a:r>
+            <a:r>
+              <a:rPr lang="hu-HU" sz="12000" dirty="0">
+                <a:solidFill>
+                  <a:schemeClr val="accent2"/>
+                </a:solidFill>
+              </a:rPr>
+              <a:t>TOP</a:t>
+            </a:r>
+          </a:p>
+        </p:txBody>
+      </p:sp>
     </p:spTree>
     <p:extLst>
       <p:ext uri="{BB962C8B-B14F-4D97-AF65-F5344CB8AC3E}">
-        <p14:creationId xmlns:p14="http://schemas.microsoft.com/office/powerpoint/2010/main" val="1628502619"/>
+        <p14:creationId xmlns:p14="http://schemas.microsoft.com/office/powerpoint/2010/main" val="1491385845"/>
       </p:ext>
     </p:extLst>
   </p:cSld>
@@ -5208,17 +6071,17 @@
           <a:p>
             <a:r>
               <a:rPr lang="hu-HU" dirty="0"/>
-              <a:t>Bejelentkezési felület</a:t>
+              <a:t>UML ábra</a:t>
             </a:r>
           </a:p>
         </p:txBody>
       </p:sp>
       <p:pic>
         <p:nvPicPr>
-          <p:cNvPr id="5" name="Tartalom helye 4" descr="A képen szöveg, képernyőkép, képernyő, szoftver látható&#10;&#10;Automatikusan generált leírás">
-            <a:extLst>
-              <a:ext uri="{FF2B5EF4-FFF2-40B4-BE49-F238E27FC236}">
-                <a16:creationId xmlns:a16="http://schemas.microsoft.com/office/drawing/2014/main" id="{48FE985E-E081-BD0B-F461-09659BDD05EC}"/>
+          <p:cNvPr id="5" name="Tartalom helye 4">
+            <a:extLst>
+              <a:ext uri="{FF2B5EF4-FFF2-40B4-BE49-F238E27FC236}">
+                <a16:creationId xmlns:a16="http://schemas.microsoft.com/office/drawing/2014/main" id="{C1539894-F76A-43DE-B46E-B9FD767DF9FF}"/>
               </a:ext>
             </a:extLst>
           </p:cNvPr>
@@ -5243,68 +6106,15 @@
         </p:blipFill>
         <p:spPr>
           <a:xfrm>
-            <a:off x="838200" y="1982668"/>
-            <a:ext cx="6977207" cy="3148252"/>
+            <a:off x="838199" y="1406117"/>
+            <a:ext cx="10515599" cy="4969628"/>
           </a:xfrm>
         </p:spPr>
       </p:pic>
-      <p:sp>
-        <p:nvSpPr>
-          <p:cNvPr id="7" name="Szövegdoboz 6">
-            <a:extLst>
-              <a:ext uri="{FF2B5EF4-FFF2-40B4-BE49-F238E27FC236}">
-                <a16:creationId xmlns:a16="http://schemas.microsoft.com/office/drawing/2014/main" id="{F40F782B-028F-6158-FBC5-FBC34C8ED281}"/>
-              </a:ext>
-            </a:extLst>
-          </p:cNvPr>
-          <p:cNvSpPr txBox="1"/>
-          <p:nvPr/>
-        </p:nvSpPr>
-        <p:spPr>
-          <a:xfrm>
-            <a:off x="8294255" y="1982667"/>
-            <a:ext cx="3297381" cy="923330"/>
-          </a:xfrm>
-          <a:prstGeom prst="rect">
-            <a:avLst/>
-          </a:prstGeom>
-          <a:noFill/>
-        </p:spPr>
-        <p:txBody>
-          <a:bodyPr wrap="square" rtlCol="0">
-            <a:spAutoFit/>
-          </a:bodyPr>
-          <a:lstStyle/>
-          <a:p>
-            <a:pPr marL="285750" indent="-285750">
-              <a:buFont typeface="Arial" panose="020B0604020202020204" pitchFamily="34" charset="0"/>
-              <a:buChar char="•"/>
-            </a:pPr>
-            <a:r>
-              <a:rPr lang="hu-HU" dirty="0"/>
-              <a:t>Email + jelszó belépés</a:t>
-            </a:r>
-          </a:p>
-          <a:p>
-            <a:pPr marL="285750" indent="-285750">
-              <a:buFont typeface="Arial" panose="020B0604020202020204" pitchFamily="34" charset="0"/>
-              <a:buChar char="•"/>
-            </a:pPr>
-            <a:r>
-              <a:rPr lang="hu-HU" dirty="0" err="1"/>
-              <a:t>Close</a:t>
-            </a:r>
-            <a:r>
-              <a:rPr lang="hu-HU" dirty="0"/>
-              <a:t> gomb bezárja az alkalmazást</a:t>
-            </a:r>
-          </a:p>
-        </p:txBody>
-      </p:sp>
     </p:spTree>
     <p:extLst>
       <p:ext uri="{BB962C8B-B14F-4D97-AF65-F5344CB8AC3E}">
-        <p14:creationId xmlns:p14="http://schemas.microsoft.com/office/powerpoint/2010/main" val="1440926686"/>
+        <p14:creationId xmlns:p14="http://schemas.microsoft.com/office/powerpoint/2010/main" val="1628502619"/>
       </p:ext>
     </p:extLst>
   </p:cSld>
@@ -5364,22 +6174,17 @@
           <a:p>
             <a:r>
               <a:rPr lang="hu-HU" dirty="0"/>
-              <a:t>Login </a:t>
-            </a:r>
-            <a:r>
-              <a:rPr lang="hu-HU" dirty="0" err="1"/>
-              <a:t>method</a:t>
-            </a:r>
-            <a:endParaRPr lang="hu-HU" dirty="0"/>
+              <a:t>Bejelentkezési felület</a:t>
+            </a:r>
           </a:p>
         </p:txBody>
       </p:sp>
       <p:pic>
         <p:nvPicPr>
-          <p:cNvPr id="8" name="Tartalom helye 7">
-            <a:extLst>
-              <a:ext uri="{FF2B5EF4-FFF2-40B4-BE49-F238E27FC236}">
-                <a16:creationId xmlns:a16="http://schemas.microsoft.com/office/drawing/2014/main" id="{45312237-42EA-9FD7-6E6C-4ADE2B8FD4CF}"/>
+          <p:cNvPr id="5" name="Tartalom helye 4" descr="A képen szöveg, képernyőkép, képernyő, szoftver látható&#10;&#10;Automatikusan generált leírás">
+            <a:extLst>
+              <a:ext uri="{FF2B5EF4-FFF2-40B4-BE49-F238E27FC236}">
+                <a16:creationId xmlns:a16="http://schemas.microsoft.com/office/drawing/2014/main" id="{48FE985E-E081-BD0B-F461-09659BDD05EC}"/>
               </a:ext>
             </a:extLst>
           </p:cNvPr>
@@ -5391,22 +6196,81 @@
           </p:nvPr>
         </p:nvPicPr>
         <p:blipFill>
-          <a:blip r:embed="rId2"/>
+          <a:blip r:embed="rId2">
+            <a:extLst>
+              <a:ext uri="{28A0092B-C50C-407E-A947-70E740481C1C}">
+                <a14:useLocalDpi xmlns:a14="http://schemas.microsoft.com/office/drawing/2010/main" val="0"/>
+              </a:ext>
+            </a:extLst>
+          </a:blip>
           <a:stretch>
             <a:fillRect/>
           </a:stretch>
         </p:blipFill>
         <p:spPr>
           <a:xfrm>
-            <a:off x="3061864" y="1690688"/>
-            <a:ext cx="6068272" cy="4048690"/>
+            <a:off x="838200" y="1982668"/>
+            <a:ext cx="6977207" cy="3148252"/>
           </a:xfrm>
         </p:spPr>
       </p:pic>
+      <p:sp>
+        <p:nvSpPr>
+          <p:cNvPr id="7" name="Szövegdoboz 6">
+            <a:extLst>
+              <a:ext uri="{FF2B5EF4-FFF2-40B4-BE49-F238E27FC236}">
+                <a16:creationId xmlns:a16="http://schemas.microsoft.com/office/drawing/2014/main" id="{F40F782B-028F-6158-FBC5-FBC34C8ED281}"/>
+              </a:ext>
+            </a:extLst>
+          </p:cNvPr>
+          <p:cNvSpPr txBox="1"/>
+          <p:nvPr/>
+        </p:nvSpPr>
+        <p:spPr>
+          <a:xfrm>
+            <a:off x="8294255" y="1982667"/>
+            <a:ext cx="3297381" cy="923330"/>
+          </a:xfrm>
+          <a:prstGeom prst="rect">
+            <a:avLst/>
+          </a:prstGeom>
+          <a:noFill/>
+        </p:spPr>
+        <p:txBody>
+          <a:bodyPr wrap="square" rtlCol="0">
+            <a:spAutoFit/>
+          </a:bodyPr>
+          <a:lstStyle/>
+          <a:p>
+            <a:pPr marL="285750" indent="-285750">
+              <a:buFont typeface="Arial" panose="020B0604020202020204" pitchFamily="34" charset="0"/>
+              <a:buChar char="•"/>
+            </a:pPr>
+            <a:r>
+              <a:rPr lang="hu-HU" dirty="0"/>
+              <a:t>Email + jelszó belépés</a:t>
+            </a:r>
+          </a:p>
+          <a:p>
+            <a:pPr marL="285750" indent="-285750">
+              <a:buFont typeface="Arial" panose="020B0604020202020204" pitchFamily="34" charset="0"/>
+              <a:buChar char="•"/>
+            </a:pPr>
+            <a:r>
+              <a:rPr lang="hu-HU" dirty="0" err="1"/>
+              <a:t>Close</a:t>
+            </a:r>
+            <a:r>
+              <a:rPr lang="hu-HU" dirty="0"/>
+              <a:t> gomb bezárja az alkalmazást</a:t>
+            </a:r>
+          </a:p>
+        </p:txBody>
+      </p:sp>
     </p:spTree>
     <p:extLst>
       <p:ext uri="{BB962C8B-B14F-4D97-AF65-F5344CB8AC3E}">
-        <p14:creationId xmlns:p14="http://schemas.microsoft.com/office/powerpoint/2010/main" val="3276416785"/>
+        <p14:creationId xmlns:p14="http://schemas.microsoft.com/office/powerpoint/2010/main" val="1440926686"/>
       </p:ext>
     </p:extLst>
   </p:cSld>
@@ -5466,17 +6330,22 @@
           <a:p>
             <a:r>
               <a:rPr lang="hu-HU" dirty="0"/>
-              <a:t>Főablak</a:t>
-            </a:r>
+              <a:t>Login </a:t>
+            </a:r>
+            <a:r>
+              <a:rPr lang="hu-HU" dirty="0" err="1"/>
+              <a:t>method</a:t>
+            </a:r>
+            <a:endParaRPr lang="hu-HU" dirty="0"/>
           </a:p>
         </p:txBody>
       </p:sp>
       <p:pic>
         <p:nvPicPr>
-          <p:cNvPr id="5" name="Tartalom helye 4" descr="A képen képernyőkép, szöveg, szoftver, Számítógépes ikon látható&#10;&#10;Automatikusan generált leírás">
-            <a:extLst>
-              <a:ext uri="{FF2B5EF4-FFF2-40B4-BE49-F238E27FC236}">
-                <a16:creationId xmlns:a16="http://schemas.microsoft.com/office/drawing/2014/main" id="{C71801B1-CF4A-B6AB-122F-0FEC5DDCF9A4}"/>
+          <p:cNvPr id="8" name="Tartalom helye 7">
+            <a:extLst>
+              <a:ext uri="{FF2B5EF4-FFF2-40B4-BE49-F238E27FC236}">
+                <a16:creationId xmlns:a16="http://schemas.microsoft.com/office/drawing/2014/main" id="{45312237-42EA-9FD7-6E6C-4ADE2B8FD4CF}"/>
               </a:ext>
             </a:extLst>
           </p:cNvPr>
@@ -5488,97 +6357,22 @@
           </p:nvPr>
         </p:nvPicPr>
         <p:blipFill>
-          <a:blip r:embed="rId2">
-            <a:extLst>
-              <a:ext uri="{28A0092B-C50C-407E-A947-70E740481C1C}">
-                <a14:useLocalDpi xmlns:a14="http://schemas.microsoft.com/office/drawing/2010/main" val="0"/>
-              </a:ext>
-            </a:extLst>
-          </a:blip>
+          <a:blip r:embed="rId2"/>
           <a:stretch>
             <a:fillRect/>
           </a:stretch>
         </p:blipFill>
         <p:spPr>
           <a:xfrm>
-            <a:off x="838200" y="1690688"/>
-            <a:ext cx="7240193" cy="4351338"/>
+            <a:off x="3061864" y="1690688"/>
+            <a:ext cx="6068272" cy="4048690"/>
           </a:xfrm>
         </p:spPr>
       </p:pic>
-      <p:sp>
-        <p:nvSpPr>
-          <p:cNvPr id="6" name="Szövegdoboz 5">
-            <a:extLst>
-              <a:ext uri="{FF2B5EF4-FFF2-40B4-BE49-F238E27FC236}">
-                <a16:creationId xmlns:a16="http://schemas.microsoft.com/office/drawing/2014/main" id="{A03E45FD-B478-7C29-61F0-9B5D7A350FE0}"/>
-              </a:ext>
-            </a:extLst>
-          </p:cNvPr>
-          <p:cNvSpPr txBox="1"/>
-          <p:nvPr/>
-        </p:nvSpPr>
-        <p:spPr>
-          <a:xfrm>
-            <a:off x="8391794" y="1691121"/>
-            <a:ext cx="3066473" cy="2031325"/>
-          </a:xfrm>
-          <a:prstGeom prst="rect">
-            <a:avLst/>
-          </a:prstGeom>
-          <a:noFill/>
-        </p:spPr>
-        <p:txBody>
-          <a:bodyPr wrap="square" rtlCol="0">
-            <a:spAutoFit/>
-          </a:bodyPr>
-          <a:lstStyle/>
-          <a:p>
-            <a:pPr marL="285750" indent="-285750">
-              <a:buFont typeface="Arial" panose="020B0604020202020204" pitchFamily="34" charset="0"/>
-              <a:buChar char="•"/>
-            </a:pPr>
-            <a:r>
-              <a:rPr lang="hu-HU" dirty="0"/>
-              <a:t>Termékek megjelenítése középen</a:t>
-            </a:r>
-          </a:p>
-          <a:p>
-            <a:pPr marL="285750" indent="-285750">
-              <a:buFont typeface="Arial" panose="020B0604020202020204" pitchFamily="34" charset="0"/>
-              <a:buChar char="•"/>
-            </a:pPr>
-            <a:r>
-              <a:rPr lang="hu-HU" dirty="0"/>
-              <a:t>Termékek szűrése</a:t>
-            </a:r>
-          </a:p>
-          <a:p>
-            <a:pPr marL="285750" indent="-285750">
-              <a:buFont typeface="Arial" panose="020B0604020202020204" pitchFamily="34" charset="0"/>
-              <a:buChar char="•"/>
-            </a:pPr>
-            <a:r>
-              <a:rPr lang="hu-HU" dirty="0"/>
-              <a:t>Termékek -&gt; Vélemények cserélhetők</a:t>
-            </a:r>
-          </a:p>
-          <a:p>
-            <a:pPr marL="285750" indent="-285750">
-              <a:buFont typeface="Arial" panose="020B0604020202020204" pitchFamily="34" charset="0"/>
-              <a:buChar char="•"/>
-            </a:pPr>
-            <a:r>
-              <a:rPr lang="hu-HU" dirty="0"/>
-              <a:t>Tervezett funkció:  Eladási statisztikák</a:t>
-            </a:r>
-          </a:p>
-        </p:txBody>
-      </p:sp>
     </p:spTree>
     <p:extLst>
       <p:ext uri="{BB962C8B-B14F-4D97-AF65-F5344CB8AC3E}">
-        <p14:creationId xmlns:p14="http://schemas.microsoft.com/office/powerpoint/2010/main" val="1557704702"/>
+        <p14:creationId xmlns:p14="http://schemas.microsoft.com/office/powerpoint/2010/main" val="3276416785"/>
       </p:ext>
     </p:extLst>
   </p:cSld>
@@ -5638,17 +6432,17 @@
           <a:p>
             <a:r>
               <a:rPr lang="hu-HU" dirty="0"/>
-              <a:t>Adattábla feltöltése</a:t>
+              <a:t>Főablak</a:t>
             </a:r>
           </a:p>
         </p:txBody>
       </p:sp>
       <p:pic>
         <p:nvPicPr>
-          <p:cNvPr id="8" name="Tartalom helye 7">
-            <a:extLst>
-              <a:ext uri="{FF2B5EF4-FFF2-40B4-BE49-F238E27FC236}">
-                <a16:creationId xmlns:a16="http://schemas.microsoft.com/office/drawing/2014/main" id="{4B7DB40D-828C-A78E-1B8F-8DC44E84B387}"/>
+          <p:cNvPr id="5" name="Tartalom helye 4" descr="A képen képernyőkép, szöveg, szoftver, Számítógépes ikon látható&#10;&#10;Automatikusan generált leírás">
+            <a:extLst>
+              <a:ext uri="{FF2B5EF4-FFF2-40B4-BE49-F238E27FC236}">
+                <a16:creationId xmlns:a16="http://schemas.microsoft.com/office/drawing/2014/main" id="{C71801B1-CF4A-B6AB-122F-0FEC5DDCF9A4}"/>
               </a:ext>
             </a:extLst>
           </p:cNvPr>
@@ -5660,22 +6454,97 @@
           </p:nvPr>
         </p:nvPicPr>
         <p:blipFill>
-          <a:blip r:embed="rId2"/>
+          <a:blip r:embed="rId2">
+            <a:extLst>
+              <a:ext uri="{28A0092B-C50C-407E-A947-70E740481C1C}">
+                <a14:useLocalDpi xmlns:a14="http://schemas.microsoft.com/office/drawing/2010/main" val="0"/>
+              </a:ext>
+            </a:extLst>
+          </a:blip>
           <a:stretch>
             <a:fillRect/>
           </a:stretch>
         </p:blipFill>
         <p:spPr>
           <a:xfrm>
-            <a:off x="2685875" y="1690688"/>
-            <a:ext cx="6820249" cy="4351338"/>
+            <a:off x="838200" y="1690688"/>
+            <a:ext cx="7240193" cy="4351338"/>
           </a:xfrm>
         </p:spPr>
       </p:pic>
+      <p:sp>
+        <p:nvSpPr>
+          <p:cNvPr id="6" name="Szövegdoboz 5">
+            <a:extLst>
+              <a:ext uri="{FF2B5EF4-FFF2-40B4-BE49-F238E27FC236}">
+                <a16:creationId xmlns:a16="http://schemas.microsoft.com/office/drawing/2014/main" id="{A03E45FD-B478-7C29-61F0-9B5D7A350FE0}"/>
+              </a:ext>
+            </a:extLst>
+          </p:cNvPr>
+          <p:cNvSpPr txBox="1"/>
+          <p:nvPr/>
+        </p:nvSpPr>
+        <p:spPr>
+          <a:xfrm>
+            <a:off x="8391794" y="1691121"/>
+            <a:ext cx="3066473" cy="2031325"/>
+          </a:xfrm>
+          <a:prstGeom prst="rect">
+            <a:avLst/>
+          </a:prstGeom>
+          <a:noFill/>
+        </p:spPr>
+        <p:txBody>
+          <a:bodyPr wrap="square" rtlCol="0">
+            <a:spAutoFit/>
+          </a:bodyPr>
+          <a:lstStyle/>
+          <a:p>
+            <a:pPr marL="285750" indent="-285750">
+              <a:buFont typeface="Arial" panose="020B0604020202020204" pitchFamily="34" charset="0"/>
+              <a:buChar char="•"/>
+            </a:pPr>
+            <a:r>
+              <a:rPr lang="hu-HU" dirty="0"/>
+              <a:t>Termékek megjelenítése középen</a:t>
+            </a:r>
+          </a:p>
+          <a:p>
+            <a:pPr marL="285750" indent="-285750">
+              <a:buFont typeface="Arial" panose="020B0604020202020204" pitchFamily="34" charset="0"/>
+              <a:buChar char="•"/>
+            </a:pPr>
+            <a:r>
+              <a:rPr lang="hu-HU" dirty="0"/>
+              <a:t>Termékek szűrése</a:t>
+            </a:r>
+          </a:p>
+          <a:p>
+            <a:pPr marL="285750" indent="-285750">
+              <a:buFont typeface="Arial" panose="020B0604020202020204" pitchFamily="34" charset="0"/>
+              <a:buChar char="•"/>
+            </a:pPr>
+            <a:r>
+              <a:rPr lang="hu-HU" dirty="0"/>
+              <a:t>Termékek -&gt; Vélemények cserélhetők</a:t>
+            </a:r>
+          </a:p>
+          <a:p>
+            <a:pPr marL="285750" indent="-285750">
+              <a:buFont typeface="Arial" panose="020B0604020202020204" pitchFamily="34" charset="0"/>
+              <a:buChar char="•"/>
+            </a:pPr>
+            <a:r>
+              <a:rPr lang="hu-HU" dirty="0"/>
+              <a:t>Tervezett funkció:  Eladási statisztikák</a:t>
+            </a:r>
+          </a:p>
+        </p:txBody>
+      </p:sp>
     </p:spTree>
     <p:extLst>
       <p:ext uri="{BB962C8B-B14F-4D97-AF65-F5344CB8AC3E}">
-        <p14:creationId xmlns:p14="http://schemas.microsoft.com/office/powerpoint/2010/main" val="2034409792"/>
+        <p14:creationId xmlns:p14="http://schemas.microsoft.com/office/powerpoint/2010/main" val="1557704702"/>
       </p:ext>
     </p:extLst>
   </p:cSld>
@@ -5735,17 +6604,17 @@
           <a:p>
             <a:r>
               <a:rPr lang="hu-HU" dirty="0"/>
-              <a:t>Vélemények megjelenítése</a:t>
+              <a:t>Adattábla feltöltése</a:t>
             </a:r>
           </a:p>
         </p:txBody>
       </p:sp>
       <p:pic>
         <p:nvPicPr>
-          <p:cNvPr id="6" name="Tartalom helye 5">
-            <a:extLst>
-              <a:ext uri="{FF2B5EF4-FFF2-40B4-BE49-F238E27FC236}">
-                <a16:creationId xmlns:a16="http://schemas.microsoft.com/office/drawing/2014/main" id="{9107988D-1B39-8A33-5504-5B715E38FF76}"/>
+          <p:cNvPr id="8" name="Tartalom helye 7">
+            <a:extLst>
+              <a:ext uri="{FF2B5EF4-FFF2-40B4-BE49-F238E27FC236}">
+                <a16:creationId xmlns:a16="http://schemas.microsoft.com/office/drawing/2014/main" id="{4B7DB40D-828C-A78E-1B8F-8DC44E84B387}"/>
               </a:ext>
             </a:extLst>
           </p:cNvPr>
@@ -5764,15 +6633,15 @@
         </p:blipFill>
         <p:spPr>
           <a:xfrm>
-            <a:off x="2977273" y="1690688"/>
-            <a:ext cx="6237453" cy="3868291"/>
+            <a:off x="2685875" y="1690688"/>
+            <a:ext cx="6820249" cy="4351338"/>
           </a:xfrm>
         </p:spPr>
       </p:pic>
     </p:spTree>
     <p:extLst>
       <p:ext uri="{BB962C8B-B14F-4D97-AF65-F5344CB8AC3E}">
-        <p14:creationId xmlns:p14="http://schemas.microsoft.com/office/powerpoint/2010/main" val="2634208023"/>
+        <p14:creationId xmlns:p14="http://schemas.microsoft.com/office/powerpoint/2010/main" val="2034409792"/>
       </p:ext>
     </p:extLst>
   </p:cSld>
@@ -5825,29 +6694,24 @@
             <p:ph type="title"/>
           </p:nvPr>
         </p:nvSpPr>
-        <p:spPr>
-          <a:xfrm>
-            <a:off x="755073" y="7715"/>
-            <a:ext cx="10515600" cy="1325563"/>
-          </a:xfrm>
-        </p:spPr>
+        <p:spPr/>
         <p:txBody>
           <a:bodyPr/>
           <a:lstStyle/>
           <a:p>
             <a:r>
               <a:rPr lang="hu-HU" dirty="0"/>
-              <a:t>Termékek módosítása</a:t>
+              <a:t>Vélemények megjelenítése</a:t>
             </a:r>
           </a:p>
         </p:txBody>
       </p:sp>
       <p:pic>
         <p:nvPicPr>
-          <p:cNvPr id="5" name="Tartalom helye 4" descr="A képen szöveg, elektronika, képernyőkép, képernyő látható&#10;&#10;Automatikusan generált leírás">
-            <a:extLst>
-              <a:ext uri="{FF2B5EF4-FFF2-40B4-BE49-F238E27FC236}">
-                <a16:creationId xmlns:a16="http://schemas.microsoft.com/office/drawing/2014/main" id="{FDA76DD4-7847-6E80-2DA8-E1A61762431F}"/>
+          <p:cNvPr id="6" name="Tartalom helye 5">
+            <a:extLst>
+              <a:ext uri="{FF2B5EF4-FFF2-40B4-BE49-F238E27FC236}">
+                <a16:creationId xmlns:a16="http://schemas.microsoft.com/office/drawing/2014/main" id="{9107988D-1B39-8A33-5504-5B715E38FF76}"/>
               </a:ext>
             </a:extLst>
           </p:cNvPr>
@@ -5859,94 +6723,22 @@
           </p:nvPr>
         </p:nvPicPr>
         <p:blipFill>
-          <a:blip r:embed="rId2">
-            <a:extLst>
-              <a:ext uri="{28A0092B-C50C-407E-A947-70E740481C1C}">
-                <a14:useLocalDpi xmlns:a14="http://schemas.microsoft.com/office/drawing/2010/main" val="0"/>
-              </a:ext>
-            </a:extLst>
-          </a:blip>
+          <a:blip r:embed="rId2"/>
           <a:stretch>
             <a:fillRect/>
           </a:stretch>
         </p:blipFill>
         <p:spPr>
           <a:xfrm>
-            <a:off x="838200" y="1333278"/>
-            <a:ext cx="3373582" cy="5159597"/>
+            <a:off x="2977273" y="1690688"/>
+            <a:ext cx="6237453" cy="3868291"/>
           </a:xfrm>
         </p:spPr>
       </p:pic>
-      <p:sp>
-        <p:nvSpPr>
-          <p:cNvPr id="6" name="Szövegdoboz 5">
-            <a:extLst>
-              <a:ext uri="{FF2B5EF4-FFF2-40B4-BE49-F238E27FC236}">
-                <a16:creationId xmlns:a16="http://schemas.microsoft.com/office/drawing/2014/main" id="{879D2AB7-23E3-8FC7-CAE9-AEC23D35694A}"/>
-              </a:ext>
-            </a:extLst>
-          </p:cNvPr>
-          <p:cNvSpPr txBox="1"/>
-          <p:nvPr/>
-        </p:nvSpPr>
-        <p:spPr>
-          <a:xfrm>
-            <a:off x="4719777" y="1333278"/>
-            <a:ext cx="6014532" cy="1200329"/>
-          </a:xfrm>
-          <a:prstGeom prst="rect">
-            <a:avLst/>
-          </a:prstGeom>
-          <a:noFill/>
-        </p:spPr>
-        <p:txBody>
-          <a:bodyPr wrap="none" rtlCol="0">
-            <a:spAutoFit/>
-          </a:bodyPr>
-          <a:lstStyle/>
-          <a:p>
-            <a:pPr marL="285750" indent="-285750">
-              <a:buFont typeface="Arial" panose="020B0604020202020204" pitchFamily="34" charset="0"/>
-              <a:buChar char="•"/>
-            </a:pPr>
-            <a:r>
-              <a:rPr lang="hu-HU" dirty="0"/>
-              <a:t>Felső panelen lehet váltani műveletek között</a:t>
-            </a:r>
-          </a:p>
-          <a:p>
-            <a:pPr marL="285750" indent="-285750">
-              <a:buFont typeface="Arial" panose="020B0604020202020204" pitchFamily="34" charset="0"/>
-              <a:buChar char="•"/>
-            </a:pPr>
-            <a:r>
-              <a:rPr lang="hu-HU" dirty="0"/>
-              <a:t>Lehetséges műveletek: Hozzáadás, Módosítás, Törlés</a:t>
-            </a:r>
-          </a:p>
-          <a:p>
-            <a:pPr marL="285750" indent="-285750">
-              <a:buFont typeface="Arial" panose="020B0604020202020204" pitchFamily="34" charset="0"/>
-              <a:buChar char="•"/>
-            </a:pPr>
-            <a:r>
-              <a:rPr lang="hu-HU" dirty="0"/>
-              <a:t>Ha az előző ablakon volt kiválasztott termék automatikusan</a:t>
-            </a:r>
-            <a:br>
-              <a:rPr lang="hu-HU" dirty="0"/>
-            </a:br>
-            <a:r>
-              <a:rPr lang="hu-HU" dirty="0"/>
-              <a:t>kitölti a mezőket</a:t>
-            </a:r>
-          </a:p>
-        </p:txBody>
-      </p:sp>
     </p:spTree>
     <p:extLst>
       <p:ext uri="{BB962C8B-B14F-4D97-AF65-F5344CB8AC3E}">
-        <p14:creationId xmlns:p14="http://schemas.microsoft.com/office/powerpoint/2010/main" val="1204160162"/>
+        <p14:creationId xmlns:p14="http://schemas.microsoft.com/office/powerpoint/2010/main" val="2634208023"/>
       </p:ext>
     </p:extLst>
   </p:cSld>
@@ -6380,6 +7172,180 @@
         </p:nvSpPr>
         <p:spPr>
           <a:xfrm>
+            <a:off x="755073" y="7715"/>
+            <a:ext cx="10515600" cy="1325563"/>
+          </a:xfrm>
+        </p:spPr>
+        <p:txBody>
+          <a:bodyPr/>
+          <a:lstStyle/>
+          <a:p>
+            <a:r>
+              <a:rPr lang="hu-HU" dirty="0"/>
+              <a:t>Termékek módosítása</a:t>
+            </a:r>
+          </a:p>
+        </p:txBody>
+      </p:sp>
+      <p:pic>
+        <p:nvPicPr>
+          <p:cNvPr id="5" name="Tartalom helye 4" descr="A képen szöveg, elektronika, képernyőkép, képernyő látható&#10;&#10;Automatikusan generált leírás">
+            <a:extLst>
+              <a:ext uri="{FF2B5EF4-FFF2-40B4-BE49-F238E27FC236}">
+                <a16:creationId xmlns:a16="http://schemas.microsoft.com/office/drawing/2014/main" id="{FDA76DD4-7847-6E80-2DA8-E1A61762431F}"/>
+              </a:ext>
+            </a:extLst>
+          </p:cNvPr>
+          <p:cNvPicPr>
+            <a:picLocks noGrp="1" noChangeAspect="1"/>
+          </p:cNvPicPr>
+          <p:nvPr>
+            <p:ph idx="1"/>
+          </p:nvPr>
+        </p:nvPicPr>
+        <p:blipFill>
+          <a:blip r:embed="rId2">
+            <a:extLst>
+              <a:ext uri="{28A0092B-C50C-407E-A947-70E740481C1C}">
+                <a14:useLocalDpi xmlns:a14="http://schemas.microsoft.com/office/drawing/2010/main" val="0"/>
+              </a:ext>
+            </a:extLst>
+          </a:blip>
+          <a:stretch>
+            <a:fillRect/>
+          </a:stretch>
+        </p:blipFill>
+        <p:spPr>
+          <a:xfrm>
+            <a:off x="838200" y="1333278"/>
+            <a:ext cx="3373582" cy="5159597"/>
+          </a:xfrm>
+        </p:spPr>
+      </p:pic>
+      <p:sp>
+        <p:nvSpPr>
+          <p:cNvPr id="6" name="Szövegdoboz 5">
+            <a:extLst>
+              <a:ext uri="{FF2B5EF4-FFF2-40B4-BE49-F238E27FC236}">
+                <a16:creationId xmlns:a16="http://schemas.microsoft.com/office/drawing/2014/main" id="{879D2AB7-23E3-8FC7-CAE9-AEC23D35694A}"/>
+              </a:ext>
+            </a:extLst>
+          </p:cNvPr>
+          <p:cNvSpPr txBox="1"/>
+          <p:nvPr/>
+        </p:nvSpPr>
+        <p:spPr>
+          <a:xfrm>
+            <a:off x="4719777" y="1333278"/>
+            <a:ext cx="6014532" cy="1200329"/>
+          </a:xfrm>
+          <a:prstGeom prst="rect">
+            <a:avLst/>
+          </a:prstGeom>
+          <a:noFill/>
+        </p:spPr>
+        <p:txBody>
+          <a:bodyPr wrap="none" rtlCol="0">
+            <a:spAutoFit/>
+          </a:bodyPr>
+          <a:lstStyle/>
+          <a:p>
+            <a:pPr marL="285750" indent="-285750">
+              <a:buFont typeface="Arial" panose="020B0604020202020204" pitchFamily="34" charset="0"/>
+              <a:buChar char="•"/>
+            </a:pPr>
+            <a:r>
+              <a:rPr lang="hu-HU" dirty="0"/>
+              <a:t>Felső panelen lehet váltani műveletek között</a:t>
+            </a:r>
+          </a:p>
+          <a:p>
+            <a:pPr marL="285750" indent="-285750">
+              <a:buFont typeface="Arial" panose="020B0604020202020204" pitchFamily="34" charset="0"/>
+              <a:buChar char="•"/>
+            </a:pPr>
+            <a:r>
+              <a:rPr lang="hu-HU" dirty="0"/>
+              <a:t>Lehetséges műveletek: Hozzáadás, Módosítás, Törlés</a:t>
+            </a:r>
+          </a:p>
+          <a:p>
+            <a:pPr marL="285750" indent="-285750">
+              <a:buFont typeface="Arial" panose="020B0604020202020204" pitchFamily="34" charset="0"/>
+              <a:buChar char="•"/>
+            </a:pPr>
+            <a:r>
+              <a:rPr lang="hu-HU" dirty="0"/>
+              <a:t>Ha az előző ablakon volt kiválasztott termék automatikusan</a:t>
+            </a:r>
+            <a:br>
+              <a:rPr lang="hu-HU" dirty="0"/>
+            </a:br>
+            <a:r>
+              <a:rPr lang="hu-HU" dirty="0"/>
+              <a:t>kitölti a mezőket</a:t>
+            </a:r>
+          </a:p>
+        </p:txBody>
+      </p:sp>
+    </p:spTree>
+    <p:extLst>
+      <p:ext uri="{BB962C8B-B14F-4D97-AF65-F5344CB8AC3E}">
+        <p14:creationId xmlns:p14="http://schemas.microsoft.com/office/powerpoint/2010/main" val="1204160162"/>
+      </p:ext>
+    </p:extLst>
+  </p:cSld>
+  <p:clrMapOvr>
+    <a:masterClrMapping/>
+  </p:clrMapOvr>
+</p:sld>
+</file>
+
+<file path=ppt/slides/slide31.xml><?xml version="1.0" encoding="utf-8"?>
+<p:sld xmlns:a="http://schemas.openxmlformats.org/drawingml/2006/main" xmlns:r="http://schemas.openxmlformats.org/officeDocument/2006/relationships" xmlns:p="http://schemas.openxmlformats.org/presentationml/2006/main">
+  <p:cSld>
+    <p:bg>
+      <p:bgPr>
+        <a:solidFill>
+          <a:schemeClr val="bg1">
+            <a:lumMod val="85000"/>
+          </a:schemeClr>
+        </a:solidFill>
+        <a:effectLst/>
+      </p:bgPr>
+    </p:bg>
+    <p:spTree>
+      <p:nvGrpSpPr>
+        <p:cNvPr id="1" name=""/>
+        <p:cNvGrpSpPr/>
+        <p:nvPr/>
+      </p:nvGrpSpPr>
+      <p:grpSpPr>
+        <a:xfrm>
+          <a:off x="0" y="0"/>
+          <a:ext cx="0" cy="0"/>
+          <a:chOff x="0" y="0"/>
+          <a:chExt cx="0" cy="0"/>
+        </a:xfrm>
+      </p:grpSpPr>
+      <p:sp>
+        <p:nvSpPr>
+          <p:cNvPr id="2" name="Cím 1">
+            <a:extLst>
+              <a:ext uri="{FF2B5EF4-FFF2-40B4-BE49-F238E27FC236}">
+                <a16:creationId xmlns:a16="http://schemas.microsoft.com/office/drawing/2014/main" id="{13615276-B683-0FEF-4C21-319328B94E33}"/>
+              </a:ext>
+            </a:extLst>
+          </p:cNvPr>
+          <p:cNvSpPr>
+            <a:spLocks noGrp="1"/>
+          </p:cNvSpPr>
+          <p:nvPr>
+            <p:ph type="title"/>
+          </p:nvPr>
+        </p:nvSpPr>
+        <p:spPr>
+          <a:xfrm>
             <a:off x="591378" y="3030123"/>
             <a:ext cx="11009243" cy="797753"/>
           </a:xfrm>
@@ -6535,7 +7501,7 @@
       <p:bgPr>
         <a:solidFill>
           <a:schemeClr val="bg1">
-            <a:lumMod val="85000"/>
+            <a:lumMod val="75000"/>
           </a:schemeClr>
         </a:solidFill>
         <a:effectLst/>
@@ -6557,79 +7523,86 @@
       </p:grpSpPr>
       <p:sp>
         <p:nvSpPr>
-          <p:cNvPr id="2" name="Cím 1">
-            <a:extLst>
-              <a:ext uri="{FF2B5EF4-FFF2-40B4-BE49-F238E27FC236}">
-                <a16:creationId xmlns:a16="http://schemas.microsoft.com/office/drawing/2014/main" id="{13615276-B683-0FEF-4C21-319328B94E33}"/>
-              </a:ext>
-            </a:extLst>
-          </p:cNvPr>
-          <p:cNvSpPr>
-            <a:spLocks noGrp="1"/>
-          </p:cNvSpPr>
-          <p:nvPr>
-            <p:ph type="title"/>
-          </p:nvPr>
+          <p:cNvPr id="4" name="Szövegdoboz 3">
+            <a:extLst>
+              <a:ext uri="{FF2B5EF4-FFF2-40B4-BE49-F238E27FC236}">
+                <a16:creationId xmlns:a16="http://schemas.microsoft.com/office/drawing/2014/main" id="{BA22152F-3172-DAEF-4325-A018783A3937}"/>
+              </a:ext>
+            </a:extLst>
+          </p:cNvPr>
+          <p:cNvSpPr txBox="1"/>
+          <p:nvPr/>
         </p:nvSpPr>
         <p:spPr>
           <a:xfrm>
-            <a:off x="838200" y="365126"/>
-            <a:ext cx="10515600" cy="866516"/>
-          </a:xfrm>
-        </p:spPr>
-        <p:txBody>
-          <a:bodyPr>
-            <a:normAutofit/>
-          </a:bodyPr>
-          <a:lstStyle/>
-          <a:p>
-            <a:r>
-              <a:rPr lang="hu-HU" sz="5400" dirty="0"/>
-              <a:t>Project modell</a:t>
-            </a:r>
-          </a:p>
-        </p:txBody>
-      </p:sp>
-      <p:pic>
-        <p:nvPicPr>
-          <p:cNvPr id="5" name="Kép 4">
-            <a:extLst>
-              <a:ext uri="{FF2B5EF4-FFF2-40B4-BE49-F238E27FC236}">
-                <a16:creationId xmlns:a16="http://schemas.microsoft.com/office/drawing/2014/main" id="{8B354A56-32C1-7425-80E2-EE78B7584334}"/>
-              </a:ext>
-            </a:extLst>
-          </p:cNvPr>
-          <p:cNvPicPr>
-            <a:picLocks noChangeAspect="1"/>
-          </p:cNvPicPr>
-          <p:nvPr/>
-        </p:nvPicPr>
-        <p:blipFill>
-          <a:blip r:embed="rId2">
-            <a:extLst>
-              <a:ext uri="{28A0092B-C50C-407E-A947-70E740481C1C}">
-                <a14:useLocalDpi xmlns:a14="http://schemas.microsoft.com/office/drawing/2010/main" val="0"/>
-              </a:ext>
-            </a:extLst>
-          </a:blip>
-          <a:stretch>
-            <a:fillRect/>
-          </a:stretch>
-        </p:blipFill>
-        <p:spPr>
-          <a:xfrm>
-            <a:off x="1664251" y="1758429"/>
-            <a:ext cx="8618084" cy="4372836"/>
+            <a:off x="447261" y="248479"/>
+            <a:ext cx="2902226" cy="1015663"/>
           </a:xfrm>
           <a:prstGeom prst="rect">
             <a:avLst/>
           </a:prstGeom>
+          <a:noFill/>
         </p:spPr>
-      </p:pic>
+        <p:txBody>
+          <a:bodyPr wrap="square" rtlCol="0">
+            <a:spAutoFit/>
+          </a:bodyPr>
+          <a:lstStyle/>
+          <a:p>
+            <a:r>
+              <a:rPr lang="hu-HU" sz="6000" dirty="0"/>
+              <a:t>Igények:</a:t>
+            </a:r>
+          </a:p>
+        </p:txBody>
+      </p:sp>
+      <p:sp>
+        <p:nvSpPr>
+          <p:cNvPr id="5" name="Szövegdoboz 4">
+            <a:extLst>
+              <a:ext uri="{FF2B5EF4-FFF2-40B4-BE49-F238E27FC236}">
+                <a16:creationId xmlns:a16="http://schemas.microsoft.com/office/drawing/2014/main" id="{3AA0DEDC-AA52-6937-5871-CFD70DEEEB3E}"/>
+              </a:ext>
+            </a:extLst>
+          </p:cNvPr>
+          <p:cNvSpPr txBox="1"/>
+          <p:nvPr/>
+        </p:nvSpPr>
+        <p:spPr>
+          <a:xfrm>
+            <a:off x="1053548" y="1938130"/>
+            <a:ext cx="6102626" cy="646331"/>
+          </a:xfrm>
+          <a:prstGeom prst="rect">
+            <a:avLst/>
+          </a:prstGeom>
+          <a:noFill/>
+        </p:spPr>
+        <p:txBody>
+          <a:bodyPr wrap="square" rtlCol="0">
+            <a:spAutoFit/>
+          </a:bodyPr>
+          <a:lstStyle/>
+          <a:p>
+            <a:r>
+              <a:rPr lang="hu-HU" dirty="0"/>
+              <a:t>Anonim keresés/</a:t>
+            </a:r>
+            <a:r>
+              <a:rPr lang="hu-HU" dirty="0" err="1"/>
+              <a:t>nézelödés</a:t>
+            </a:r>
+            <a:endParaRPr lang="hu-HU" dirty="0"/>
+          </a:p>
+          <a:p>
+            <a:endParaRPr lang="hu-HU" dirty="0"/>
+          </a:p>
+        </p:txBody>
+      </p:sp>
     </p:spTree>
     <p:extLst>
       <p:ext uri="{BB962C8B-B14F-4D97-AF65-F5344CB8AC3E}">
-        <p14:creationId xmlns:p14="http://schemas.microsoft.com/office/powerpoint/2010/main" val="2074351716"/>
+        <p14:creationId xmlns:p14="http://schemas.microsoft.com/office/powerpoint/2010/main" val="57421670"/>
       </p:ext>
     </p:extLst>
   </p:cSld>
@@ -6668,74 +7641,79 @@
       </p:grpSpPr>
       <p:sp>
         <p:nvSpPr>
-          <p:cNvPr id="4" name="Cím 1">
-            <a:extLst>
-              <a:ext uri="{FF2B5EF4-FFF2-40B4-BE49-F238E27FC236}">
-                <a16:creationId xmlns:a16="http://schemas.microsoft.com/office/drawing/2014/main" id="{C85A92BE-00C6-1A81-78AA-45C705A4929E}"/>
-              </a:ext>
-            </a:extLst>
-          </p:cNvPr>
-          <p:cNvSpPr txBox="1">
-            <a:spLocks/>
-          </p:cNvSpPr>
-          <p:nvPr/>
+          <p:cNvPr id="2" name="Cím 1">
+            <a:extLst>
+              <a:ext uri="{FF2B5EF4-FFF2-40B4-BE49-F238E27FC236}">
+                <a16:creationId xmlns:a16="http://schemas.microsoft.com/office/drawing/2014/main" id="{13615276-B683-0FEF-4C21-319328B94E33}"/>
+              </a:ext>
+            </a:extLst>
+          </p:cNvPr>
+          <p:cNvSpPr>
+            <a:spLocks noGrp="1"/>
+          </p:cNvSpPr>
+          <p:nvPr>
+            <p:ph type="title"/>
+          </p:nvPr>
         </p:nvSpPr>
         <p:spPr>
           <a:xfrm>
-            <a:off x="3032449" y="2235200"/>
-            <a:ext cx="6127102" cy="2387600"/>
+            <a:off x="838200" y="365126"/>
+            <a:ext cx="10515600" cy="866516"/>
+          </a:xfrm>
+        </p:spPr>
+        <p:txBody>
+          <a:bodyPr>
+            <a:normAutofit/>
+          </a:bodyPr>
+          <a:lstStyle/>
+          <a:p>
+            <a:r>
+              <a:rPr lang="hu-HU" sz="5400" dirty="0"/>
+              <a:t>Project modell</a:t>
+            </a:r>
+          </a:p>
+        </p:txBody>
+      </p:sp>
+      <p:pic>
+        <p:nvPicPr>
+          <p:cNvPr id="5" name="Kép 4">
+            <a:extLst>
+              <a:ext uri="{FF2B5EF4-FFF2-40B4-BE49-F238E27FC236}">
+                <a16:creationId xmlns:a16="http://schemas.microsoft.com/office/drawing/2014/main" id="{8B354A56-32C1-7425-80E2-EE78B7584334}"/>
+              </a:ext>
+            </a:extLst>
+          </p:cNvPr>
+          <p:cNvPicPr>
+            <a:picLocks noChangeAspect="1"/>
+          </p:cNvPicPr>
+          <p:nvPr/>
+        </p:nvPicPr>
+        <p:blipFill>
+          <a:blip r:embed="rId2">
+            <a:extLst>
+              <a:ext uri="{28A0092B-C50C-407E-A947-70E740481C1C}">
+                <a14:useLocalDpi xmlns:a14="http://schemas.microsoft.com/office/drawing/2010/main" val="0"/>
+              </a:ext>
+            </a:extLst>
+          </a:blip>
+          <a:stretch>
+            <a:fillRect/>
+          </a:stretch>
+        </p:blipFill>
+        <p:spPr>
+          <a:xfrm>
+            <a:off x="1664251" y="1758429"/>
+            <a:ext cx="8618084" cy="4372836"/>
           </a:xfrm>
           <a:prstGeom prst="rect">
             <a:avLst/>
           </a:prstGeom>
         </p:spPr>
-        <p:txBody>
-          <a:bodyPr vert="horz" lIns="91440" tIns="45720" rIns="91440" bIns="45720" rtlCol="0" anchor="ctr">
-            <a:normAutofit/>
-          </a:bodyPr>
-          <a:lstStyle>
-            <a:lvl1pPr algn="l" defTabSz="914400" rtl="0" eaLnBrk="1" latinLnBrk="0" hangingPunct="1">
-              <a:lnSpc>
-                <a:spcPct val="90000"/>
-              </a:lnSpc>
-              <a:spcBef>
-                <a:spcPct val="0"/>
-              </a:spcBef>
-              <a:buNone/>
-              <a:defRPr sz="4400" kern="1200">
-                <a:solidFill>
-                  <a:schemeClr val="tx1"/>
-                </a:solidFill>
-                <a:latin typeface="+mj-lt"/>
-                <a:ea typeface="+mj-ea"/>
-                <a:cs typeface="+mj-cs"/>
-              </a:defRPr>
-            </a:lvl1pPr>
-          </a:lstStyle>
-          <a:p>
-            <a:r>
-              <a:rPr lang="hu-HU" sz="12000" dirty="0">
-                <a:solidFill>
-                  <a:schemeClr val="bg1"/>
-                </a:solidFill>
-              </a:rPr>
-              <a:t>BACK</a:t>
-            </a:r>
-            <a:r>
-              <a:rPr lang="hu-HU" sz="12000" dirty="0">
-                <a:solidFill>
-                  <a:schemeClr val="accent2"/>
-                </a:solidFill>
-              </a:rPr>
-              <a:t>END</a:t>
-            </a:r>
-          </a:p>
-        </p:txBody>
-      </p:sp>
+      </p:pic>
     </p:spTree>
     <p:extLst>
       <p:ext uri="{BB962C8B-B14F-4D97-AF65-F5344CB8AC3E}">
-        <p14:creationId xmlns:p14="http://schemas.microsoft.com/office/powerpoint/2010/main" val="803634416"/>
+        <p14:creationId xmlns:p14="http://schemas.microsoft.com/office/powerpoint/2010/main" val="2074351716"/>
       </p:ext>
     </p:extLst>
   </p:cSld>
@@ -6774,72 +7752,74 @@
       </p:grpSpPr>
       <p:sp>
         <p:nvSpPr>
-          <p:cNvPr id="2" name="Cím 1">
-            <a:extLst>
-              <a:ext uri="{FF2B5EF4-FFF2-40B4-BE49-F238E27FC236}">
-                <a16:creationId xmlns:a16="http://schemas.microsoft.com/office/drawing/2014/main" id="{13615276-B683-0FEF-4C21-319328B94E33}"/>
-              </a:ext>
-            </a:extLst>
-          </p:cNvPr>
-          <p:cNvSpPr>
-            <a:spLocks noGrp="1"/>
-          </p:cNvSpPr>
-          <p:nvPr>
-            <p:ph type="title"/>
-          </p:nvPr>
-        </p:nvSpPr>
-        <p:spPr/>
-        <p:txBody>
-          <a:bodyPr/>
-          <a:lstStyle/>
-          <a:p>
-            <a:r>
-              <a:rPr lang="hu-HU" dirty="0"/>
-              <a:t>Backend modell</a:t>
-            </a:r>
-          </a:p>
-        </p:txBody>
-      </p:sp>
-      <p:pic>
-        <p:nvPicPr>
-          <p:cNvPr id="5" name="Kép 4">
-            <a:extLst>
-              <a:ext uri="{FF2B5EF4-FFF2-40B4-BE49-F238E27FC236}">
-                <a16:creationId xmlns:a16="http://schemas.microsoft.com/office/drawing/2014/main" id="{A096DBE7-7334-1AE5-AA2C-1C05855F5389}"/>
-              </a:ext>
-            </a:extLst>
-          </p:cNvPr>
-          <p:cNvPicPr>
-            <a:picLocks noChangeAspect="1"/>
-          </p:cNvPicPr>
+          <p:cNvPr id="4" name="Cím 1">
+            <a:extLst>
+              <a:ext uri="{FF2B5EF4-FFF2-40B4-BE49-F238E27FC236}">
+                <a16:creationId xmlns:a16="http://schemas.microsoft.com/office/drawing/2014/main" id="{C85A92BE-00C6-1A81-78AA-45C705A4929E}"/>
+              </a:ext>
+            </a:extLst>
+          </p:cNvPr>
+          <p:cNvSpPr txBox="1">
+            <a:spLocks/>
+          </p:cNvSpPr>
           <p:nvPr/>
-        </p:nvPicPr>
-        <p:blipFill>
-          <a:blip r:embed="rId2">
-            <a:extLst>
-              <a:ext uri="{28A0092B-C50C-407E-A947-70E740481C1C}">
-                <a14:useLocalDpi xmlns:a14="http://schemas.microsoft.com/office/drawing/2010/main" val="0"/>
-              </a:ext>
-            </a:extLst>
-          </a:blip>
-          <a:stretch>
-            <a:fillRect/>
-          </a:stretch>
-        </p:blipFill>
+        </p:nvSpPr>
         <p:spPr>
           <a:xfrm>
-            <a:off x="368073" y="2526456"/>
-            <a:ext cx="11305189" cy="2082865"/>
+            <a:off x="3032449" y="2235200"/>
+            <a:ext cx="6127102" cy="2387600"/>
           </a:xfrm>
           <a:prstGeom prst="rect">
             <a:avLst/>
           </a:prstGeom>
         </p:spPr>
-      </p:pic>
+        <p:txBody>
+          <a:bodyPr vert="horz" lIns="91440" tIns="45720" rIns="91440" bIns="45720" rtlCol="0" anchor="ctr">
+            <a:normAutofit/>
+          </a:bodyPr>
+          <a:lstStyle>
+            <a:lvl1pPr algn="l" defTabSz="914400" rtl="0" eaLnBrk="1" latinLnBrk="0" hangingPunct="1">
+              <a:lnSpc>
+                <a:spcPct val="90000"/>
+              </a:lnSpc>
+              <a:spcBef>
+                <a:spcPct val="0"/>
+              </a:spcBef>
+              <a:buNone/>
+              <a:defRPr sz="4400" kern="1200">
+                <a:solidFill>
+                  <a:schemeClr val="tx1"/>
+                </a:solidFill>
+                <a:latin typeface="+mj-lt"/>
+                <a:ea typeface="+mj-ea"/>
+                <a:cs typeface="+mj-cs"/>
+              </a:defRPr>
+            </a:lvl1pPr>
+          </a:lstStyle>
+          <a:p>
+            <a:r>
+              <a:rPr lang="hu-HU" sz="12000" dirty="0">
+                <a:solidFill>
+                  <a:schemeClr val="bg1"/>
+                </a:solidFill>
+              </a:rPr>
+              <a:t>BACK</a:t>
+            </a:r>
+            <a:r>
+              <a:rPr lang="hu-HU" sz="12000" dirty="0">
+                <a:solidFill>
+                  <a:schemeClr val="accent2"/>
+                </a:solidFill>
+              </a:rPr>
+              <a:t>END</a:t>
+            </a:r>
+          </a:p>
+        </p:txBody>
+      </p:sp>
     </p:spTree>
     <p:extLst>
       <p:ext uri="{BB962C8B-B14F-4D97-AF65-F5344CB8AC3E}">
-        <p14:creationId xmlns:p14="http://schemas.microsoft.com/office/powerpoint/2010/main" val="3148019032"/>
+        <p14:creationId xmlns:p14="http://schemas.microsoft.com/office/powerpoint/2010/main" val="803634416"/>
       </p:ext>
     </p:extLst>
   </p:cSld>
@@ -6899,17 +7879,17 @@
           <a:p>
             <a:r>
               <a:rPr lang="hu-HU" dirty="0"/>
-              <a:t>Végpontok</a:t>
+              <a:t>Backend modell</a:t>
             </a:r>
           </a:p>
         </p:txBody>
       </p:sp>
       <p:pic>
         <p:nvPicPr>
-          <p:cNvPr id="7" name="Kép 6">
-            <a:extLst>
-              <a:ext uri="{FF2B5EF4-FFF2-40B4-BE49-F238E27FC236}">
-                <a16:creationId xmlns:a16="http://schemas.microsoft.com/office/drawing/2014/main" id="{41624AFF-AE99-92EF-0078-58A5CD13F654}"/>
+          <p:cNvPr id="5" name="Kép 4">
+            <a:extLst>
+              <a:ext uri="{FF2B5EF4-FFF2-40B4-BE49-F238E27FC236}">
+                <a16:creationId xmlns:a16="http://schemas.microsoft.com/office/drawing/2014/main" id="{A096DBE7-7334-1AE5-AA2C-1C05855F5389}"/>
               </a:ext>
             </a:extLst>
           </p:cNvPr>
@@ -6919,15 +7899,21 @@
           <p:nvPr/>
         </p:nvPicPr>
         <p:blipFill>
-          <a:blip r:embed="rId2"/>
+          <a:blip r:embed="rId2">
+            <a:extLst>
+              <a:ext uri="{28A0092B-C50C-407E-A947-70E740481C1C}">
+                <a14:useLocalDpi xmlns:a14="http://schemas.microsoft.com/office/drawing/2010/main" val="0"/>
+              </a:ext>
+            </a:extLst>
+          </a:blip>
           <a:stretch>
             <a:fillRect/>
           </a:stretch>
         </p:blipFill>
         <p:spPr>
           <a:xfrm>
-            <a:off x="1313207" y="2081004"/>
-            <a:ext cx="9809069" cy="3514725"/>
+            <a:off x="368073" y="2526456"/>
+            <a:ext cx="11305189" cy="2082865"/>
           </a:xfrm>
           <a:prstGeom prst="rect">
             <a:avLst/>
@@ -6937,7 +7923,7 @@
     </p:spTree>
     <p:extLst>
       <p:ext uri="{BB962C8B-B14F-4D97-AF65-F5344CB8AC3E}">
-        <p14:creationId xmlns:p14="http://schemas.microsoft.com/office/powerpoint/2010/main" val="3769889436"/>
+        <p14:creationId xmlns:p14="http://schemas.microsoft.com/office/powerpoint/2010/main" val="3148019032"/>
       </p:ext>
     </p:extLst>
   </p:cSld>
@@ -6990,18 +7976,19 @@
             <p:ph type="title"/>
           </p:nvPr>
         </p:nvSpPr>
-        <p:spPr/>
+        <p:spPr>
+          <a:xfrm>
+            <a:off x="838200" y="365125"/>
+            <a:ext cx="10515600" cy="956779"/>
+          </a:xfrm>
+        </p:spPr>
         <p:txBody>
           <a:bodyPr/>
           <a:lstStyle/>
           <a:p>
             <a:r>
-              <a:rPr lang="hu-HU" dirty="0" err="1"/>
-              <a:t>Json</a:t>
-            </a:r>
-            <a:r>
-              <a:rPr lang="hu-HU" dirty="0"/>
-              <a:t>{}</a:t>
+              <a:rPr lang="hu-HU" dirty="0"/>
+              <a:t>Adatbázis modell</a:t>
             </a:r>
           </a:p>
         </p:txBody>
@@ -7011,7 +7998,7 @@
           <p:cNvPr id="5" name="Kép 4">
             <a:extLst>
               <a:ext uri="{FF2B5EF4-FFF2-40B4-BE49-F238E27FC236}">
-                <a16:creationId xmlns:a16="http://schemas.microsoft.com/office/drawing/2014/main" id="{7BE75C87-4AF9-2210-CFDB-1C0EC5EEA0B4}"/>
+                <a16:creationId xmlns:a16="http://schemas.microsoft.com/office/drawing/2014/main" id="{DFBF0D9F-F2D9-13A9-7C8B-14B73F336DFF}"/>
               </a:ext>
             </a:extLst>
           </p:cNvPr>
@@ -7028,8 +8015,8 @@
         </p:blipFill>
         <p:spPr>
           <a:xfrm>
-            <a:off x="2029653" y="1804780"/>
-            <a:ext cx="7258050" cy="4381500"/>
+            <a:off x="1007165" y="1371600"/>
+            <a:ext cx="10346635" cy="4767945"/>
           </a:xfrm>
           <a:prstGeom prst="rect">
             <a:avLst/>
@@ -7039,7 +8026,7 @@
     </p:spTree>
     <p:extLst>
       <p:ext uri="{BB962C8B-B14F-4D97-AF65-F5344CB8AC3E}">
-        <p14:creationId xmlns:p14="http://schemas.microsoft.com/office/powerpoint/2010/main" val="3805025832"/>
+        <p14:creationId xmlns:p14="http://schemas.microsoft.com/office/powerpoint/2010/main" val="1728395480"/>
       </p:ext>
     </p:extLst>
   </p:cSld>
